--- a/Governance risk framework.pptx
+++ b/Governance risk framework.pptx
@@ -4,18 +4,36 @@
   <p:sldMasterIdLst>
     <p:sldMasterId id="2147483648" r:id="rId1"/>
   </p:sldMasterIdLst>
+  <p:notesMasterIdLst>
+    <p:notesMasterId r:id="rId28"/>
+  </p:notesMasterIdLst>
   <p:sldIdLst>
     <p:sldId id="256" r:id="rId2"/>
     <p:sldId id="265" r:id="rId3"/>
     <p:sldId id="257" r:id="rId4"/>
-    <p:sldId id="258" r:id="rId5"/>
-    <p:sldId id="259" r:id="rId6"/>
-    <p:sldId id="260" r:id="rId7"/>
-    <p:sldId id="261" r:id="rId8"/>
-    <p:sldId id="262" r:id="rId9"/>
-    <p:sldId id="263" r:id="rId10"/>
-    <p:sldId id="264" r:id="rId11"/>
-    <p:sldId id="266" r:id="rId12"/>
+    <p:sldId id="267" r:id="rId5"/>
+    <p:sldId id="258" r:id="rId6"/>
+    <p:sldId id="268" r:id="rId7"/>
+    <p:sldId id="259" r:id="rId8"/>
+    <p:sldId id="260" r:id="rId9"/>
+    <p:sldId id="271" r:id="rId10"/>
+    <p:sldId id="261" r:id="rId11"/>
+    <p:sldId id="272" r:id="rId12"/>
+    <p:sldId id="273" r:id="rId13"/>
+    <p:sldId id="274" r:id="rId14"/>
+    <p:sldId id="275" r:id="rId15"/>
+    <p:sldId id="262" r:id="rId16"/>
+    <p:sldId id="276" r:id="rId17"/>
+    <p:sldId id="277" r:id="rId18"/>
+    <p:sldId id="263" r:id="rId19"/>
+    <p:sldId id="278" r:id="rId20"/>
+    <p:sldId id="279" r:id="rId21"/>
+    <p:sldId id="280" r:id="rId22"/>
+    <p:sldId id="281" r:id="rId23"/>
+    <p:sldId id="282" r:id="rId24"/>
+    <p:sldId id="264" r:id="rId25"/>
+    <p:sldId id="283" r:id="rId26"/>
+    <p:sldId id="266" r:id="rId27"/>
   </p:sldIdLst>
   <p:sldSz cx="12192000" cy="6858000"/>
   <p:notesSz cx="6858000" cy="9144000"/>
@@ -114,7 +132,504 @@
       </a:defRPr>
     </a:lvl9pPr>
   </p:defaultTextStyle>
+  <p:extLst>
+    <p:ext uri="{521415D9-36F7-43E2-AB2F-B90AF26B5E84}">
+      <p14:sectionLst xmlns:p14="http://schemas.microsoft.com/office/powerpoint/2010/main">
+        <p14:section name="Default Section" id="{E6D7799C-8A29-2146-9ED0-CC02E8F4F566}">
+          <p14:sldIdLst>
+            <p14:sldId id="256"/>
+            <p14:sldId id="265"/>
+          </p14:sldIdLst>
+        </p14:section>
+        <p14:section name="Category 1" id="{8CCEA9DD-1674-CD4C-BAAC-9D26632AB6F7}">
+          <p14:sldIdLst>
+            <p14:sldId id="257"/>
+            <p14:sldId id="267"/>
+            <p14:sldId id="258"/>
+            <p14:sldId id="268"/>
+            <p14:sldId id="259"/>
+          </p14:sldIdLst>
+        </p14:section>
+        <p14:section name="Category 2" id="{DB80AD85-E7E1-4D40-A80B-4025EB733699}">
+          <p14:sldIdLst>
+            <p14:sldId id="260"/>
+            <p14:sldId id="271"/>
+          </p14:sldIdLst>
+        </p14:section>
+        <p14:section name="Category 3" id="{DCBE0DD0-B544-2440-A8F3-35A9DCDBB07E}">
+          <p14:sldIdLst>
+            <p14:sldId id="261"/>
+            <p14:sldId id="272"/>
+            <p14:sldId id="273"/>
+            <p14:sldId id="274"/>
+            <p14:sldId id="275"/>
+            <p14:sldId id="262"/>
+            <p14:sldId id="276"/>
+            <p14:sldId id="277"/>
+          </p14:sldIdLst>
+        </p14:section>
+        <p14:section name="Category 4" id="{192FC1D7-9D03-2741-A378-A17AB61A293B}">
+          <p14:sldIdLst>
+            <p14:sldId id="263"/>
+            <p14:sldId id="278"/>
+            <p14:sldId id="279"/>
+            <p14:sldId id="280"/>
+            <p14:sldId id="281"/>
+            <p14:sldId id="282"/>
+            <p14:sldId id="264"/>
+            <p14:sldId id="283"/>
+            <p14:sldId id="266"/>
+          </p14:sldIdLst>
+        </p14:section>
+      </p14:sectionLst>
+    </p:ext>
+    <p:ext uri="{EFAFB233-063F-42B5-8137-9DF3F51BA10A}">
+      <p15:sldGuideLst xmlns:p15="http://schemas.microsoft.com/office/powerpoint/2012/main"/>
+    </p:ext>
+  </p:extLst>
 </p:presentation>
+</file>
+
+<file path=ppt/notesMasters/notesMaster1.xml><?xml version="1.0" encoding="utf-8"?>
+<p:notesMaster xmlns:a="http://schemas.openxmlformats.org/drawingml/2006/main" xmlns:r="http://schemas.openxmlformats.org/officeDocument/2006/relationships" xmlns:p="http://schemas.openxmlformats.org/presentationml/2006/main">
+  <p:cSld>
+    <p:bg>
+      <p:bgRef idx="1001">
+        <a:schemeClr val="bg1"/>
+      </p:bgRef>
+    </p:bg>
+    <p:spTree>
+      <p:nvGrpSpPr>
+        <p:cNvPr id="1" name=""/>
+        <p:cNvGrpSpPr/>
+        <p:nvPr/>
+      </p:nvGrpSpPr>
+      <p:grpSpPr>
+        <a:xfrm>
+          <a:off x="0" y="0"/>
+          <a:ext cx="0" cy="0"/>
+          <a:chOff x="0" y="0"/>
+          <a:chExt cx="0" cy="0"/>
+        </a:xfrm>
+      </p:grpSpPr>
+      <p:sp>
+        <p:nvSpPr>
+          <p:cNvPr id="2" name="Header Placeholder 1"/>
+          <p:cNvSpPr>
+            <a:spLocks noGrp="1"/>
+          </p:cNvSpPr>
+          <p:nvPr>
+            <p:ph type="hdr" sz="quarter"/>
+          </p:nvPr>
+        </p:nvSpPr>
+        <p:spPr>
+          <a:xfrm>
+            <a:off x="0" y="0"/>
+            <a:ext cx="2971800" cy="458788"/>
+          </a:xfrm>
+          <a:prstGeom prst="rect">
+            <a:avLst/>
+          </a:prstGeom>
+        </p:spPr>
+        <p:txBody>
+          <a:bodyPr vert="horz" lIns="91440" tIns="45720" rIns="91440" bIns="45720" rtlCol="0"/>
+          <a:lstStyle>
+            <a:lvl1pPr algn="l">
+              <a:defRPr sz="1200"/>
+            </a:lvl1pPr>
+          </a:lstStyle>
+          <a:p>
+            <a:endParaRPr lang="en-US"/>
+          </a:p>
+        </p:txBody>
+      </p:sp>
+      <p:sp>
+        <p:nvSpPr>
+          <p:cNvPr id="3" name="Date Placeholder 2"/>
+          <p:cNvSpPr>
+            <a:spLocks noGrp="1"/>
+          </p:cNvSpPr>
+          <p:nvPr>
+            <p:ph type="dt" idx="1"/>
+          </p:nvPr>
+        </p:nvSpPr>
+        <p:spPr>
+          <a:xfrm>
+            <a:off x="3884613" y="0"/>
+            <a:ext cx="2971800" cy="458788"/>
+          </a:xfrm>
+          <a:prstGeom prst="rect">
+            <a:avLst/>
+          </a:prstGeom>
+        </p:spPr>
+        <p:txBody>
+          <a:bodyPr vert="horz" lIns="91440" tIns="45720" rIns="91440" bIns="45720" rtlCol="0"/>
+          <a:lstStyle>
+            <a:lvl1pPr algn="r">
+              <a:defRPr sz="1200"/>
+            </a:lvl1pPr>
+          </a:lstStyle>
+          <a:p>
+            <a:fld id="{E6E33FC5-15AF-3F4C-B5F6-4B65B4B635FD}" type="datetimeFigureOut">
+              <a:rPr lang="en-US" smtClean="0"/>
+              <a:t>2/13/25</a:t>
+            </a:fld>
+            <a:endParaRPr lang="en-US"/>
+          </a:p>
+        </p:txBody>
+      </p:sp>
+      <p:sp>
+        <p:nvSpPr>
+          <p:cNvPr id="4" name="Slide Image Placeholder 3"/>
+          <p:cNvSpPr>
+            <a:spLocks noGrp="1" noRot="1" noChangeAspect="1"/>
+          </p:cNvSpPr>
+          <p:nvPr>
+            <p:ph type="sldImg" idx="2"/>
+          </p:nvPr>
+        </p:nvSpPr>
+        <p:spPr>
+          <a:xfrm>
+            <a:off x="685800" y="1143000"/>
+            <a:ext cx="5486400" cy="3086100"/>
+          </a:xfrm>
+          <a:prstGeom prst="rect">
+            <a:avLst/>
+          </a:prstGeom>
+          <a:noFill/>
+          <a:ln w="12700">
+            <a:solidFill>
+              <a:prstClr val="black"/>
+            </a:solidFill>
+          </a:ln>
+        </p:spPr>
+        <p:txBody>
+          <a:bodyPr vert="horz" lIns="91440" tIns="45720" rIns="91440" bIns="45720" rtlCol="0" anchor="ctr"/>
+          <a:lstStyle/>
+          <a:p>
+            <a:endParaRPr lang="en-US"/>
+          </a:p>
+        </p:txBody>
+      </p:sp>
+      <p:sp>
+        <p:nvSpPr>
+          <p:cNvPr id="5" name="Notes Placeholder 4"/>
+          <p:cNvSpPr>
+            <a:spLocks noGrp="1"/>
+          </p:cNvSpPr>
+          <p:nvPr>
+            <p:ph type="body" sz="quarter" idx="3"/>
+          </p:nvPr>
+        </p:nvSpPr>
+        <p:spPr>
+          <a:xfrm>
+            <a:off x="685800" y="4400550"/>
+            <a:ext cx="5486400" cy="3600450"/>
+          </a:xfrm>
+          <a:prstGeom prst="rect">
+            <a:avLst/>
+          </a:prstGeom>
+        </p:spPr>
+        <p:txBody>
+          <a:bodyPr vert="horz" lIns="91440" tIns="45720" rIns="91440" bIns="45720" rtlCol="0"/>
+          <a:lstStyle/>
+          <a:p>
+            <a:pPr lvl="0"/>
+            <a:r>
+              <a:rPr lang="en-US"/>
+              <a:t>Click to edit Master text styles</a:t>
+            </a:r>
+          </a:p>
+          <a:p>
+            <a:pPr lvl="1"/>
+            <a:r>
+              <a:rPr lang="en-US"/>
+              <a:t>Second level</a:t>
+            </a:r>
+          </a:p>
+          <a:p>
+            <a:pPr lvl="2"/>
+            <a:r>
+              <a:rPr lang="en-US"/>
+              <a:t>Third level</a:t>
+            </a:r>
+          </a:p>
+          <a:p>
+            <a:pPr lvl="3"/>
+            <a:r>
+              <a:rPr lang="en-US"/>
+              <a:t>Fourth level</a:t>
+            </a:r>
+          </a:p>
+          <a:p>
+            <a:pPr lvl="4"/>
+            <a:r>
+              <a:rPr lang="en-US"/>
+              <a:t>Fifth level</a:t>
+            </a:r>
+          </a:p>
+        </p:txBody>
+      </p:sp>
+      <p:sp>
+        <p:nvSpPr>
+          <p:cNvPr id="6" name="Footer Placeholder 5"/>
+          <p:cNvSpPr>
+            <a:spLocks noGrp="1"/>
+          </p:cNvSpPr>
+          <p:nvPr>
+            <p:ph type="ftr" sz="quarter" idx="4"/>
+          </p:nvPr>
+        </p:nvSpPr>
+        <p:spPr>
+          <a:xfrm>
+            <a:off x="0" y="8685213"/>
+            <a:ext cx="2971800" cy="458787"/>
+          </a:xfrm>
+          <a:prstGeom prst="rect">
+            <a:avLst/>
+          </a:prstGeom>
+        </p:spPr>
+        <p:txBody>
+          <a:bodyPr vert="horz" lIns="91440" tIns="45720" rIns="91440" bIns="45720" rtlCol="0" anchor="b"/>
+          <a:lstStyle>
+            <a:lvl1pPr algn="l">
+              <a:defRPr sz="1200"/>
+            </a:lvl1pPr>
+          </a:lstStyle>
+          <a:p>
+            <a:endParaRPr lang="en-US"/>
+          </a:p>
+        </p:txBody>
+      </p:sp>
+      <p:sp>
+        <p:nvSpPr>
+          <p:cNvPr id="7" name="Slide Number Placeholder 6"/>
+          <p:cNvSpPr>
+            <a:spLocks noGrp="1"/>
+          </p:cNvSpPr>
+          <p:nvPr>
+            <p:ph type="sldNum" sz="quarter" idx="5"/>
+          </p:nvPr>
+        </p:nvSpPr>
+        <p:spPr>
+          <a:xfrm>
+            <a:off x="3884613" y="8685213"/>
+            <a:ext cx="2971800" cy="458787"/>
+          </a:xfrm>
+          <a:prstGeom prst="rect">
+            <a:avLst/>
+          </a:prstGeom>
+        </p:spPr>
+        <p:txBody>
+          <a:bodyPr vert="horz" lIns="91440" tIns="45720" rIns="91440" bIns="45720" rtlCol="0" anchor="b"/>
+          <a:lstStyle>
+            <a:lvl1pPr algn="r">
+              <a:defRPr sz="1200"/>
+            </a:lvl1pPr>
+          </a:lstStyle>
+          <a:p>
+            <a:fld id="{25058FBD-C358-0248-AB24-F9F9A1943860}" type="slidenum">
+              <a:rPr lang="en-US" smtClean="0"/>
+              <a:t>‹#›</a:t>
+            </a:fld>
+            <a:endParaRPr lang="en-US"/>
+          </a:p>
+        </p:txBody>
+      </p:sp>
+    </p:spTree>
+    <p:extLst>
+      <p:ext uri="{BB962C8B-B14F-4D97-AF65-F5344CB8AC3E}">
+        <p14:creationId xmlns:p14="http://schemas.microsoft.com/office/powerpoint/2010/main" val="2938779177"/>
+      </p:ext>
+    </p:extLst>
+  </p:cSld>
+  <p:clrMap bg1="lt1" tx1="dk1" bg2="lt2" tx2="dk2" accent1="accent1" accent2="accent2" accent3="accent3" accent4="accent4" accent5="accent5" accent6="accent6" hlink="hlink" folHlink="folHlink"/>
+  <p:notesStyle>
+    <a:lvl1pPr marL="0" algn="l" defTabSz="914400" rtl="0" eaLnBrk="1" latinLnBrk="0" hangingPunct="1">
+      <a:defRPr sz="1200" kern="1200">
+        <a:solidFill>
+          <a:schemeClr val="tx1"/>
+        </a:solidFill>
+        <a:latin typeface="+mn-lt"/>
+        <a:ea typeface="+mn-ea"/>
+        <a:cs typeface="+mn-cs"/>
+      </a:defRPr>
+    </a:lvl1pPr>
+    <a:lvl2pPr marL="457200" algn="l" defTabSz="914400" rtl="0" eaLnBrk="1" latinLnBrk="0" hangingPunct="1">
+      <a:defRPr sz="1200" kern="1200">
+        <a:solidFill>
+          <a:schemeClr val="tx1"/>
+        </a:solidFill>
+        <a:latin typeface="+mn-lt"/>
+        <a:ea typeface="+mn-ea"/>
+        <a:cs typeface="+mn-cs"/>
+      </a:defRPr>
+    </a:lvl2pPr>
+    <a:lvl3pPr marL="914400" algn="l" defTabSz="914400" rtl="0" eaLnBrk="1" latinLnBrk="0" hangingPunct="1">
+      <a:defRPr sz="1200" kern="1200">
+        <a:solidFill>
+          <a:schemeClr val="tx1"/>
+        </a:solidFill>
+        <a:latin typeface="+mn-lt"/>
+        <a:ea typeface="+mn-ea"/>
+        <a:cs typeface="+mn-cs"/>
+      </a:defRPr>
+    </a:lvl3pPr>
+    <a:lvl4pPr marL="1371600" algn="l" defTabSz="914400" rtl="0" eaLnBrk="1" latinLnBrk="0" hangingPunct="1">
+      <a:defRPr sz="1200" kern="1200">
+        <a:solidFill>
+          <a:schemeClr val="tx1"/>
+        </a:solidFill>
+        <a:latin typeface="+mn-lt"/>
+        <a:ea typeface="+mn-ea"/>
+        <a:cs typeface="+mn-cs"/>
+      </a:defRPr>
+    </a:lvl4pPr>
+    <a:lvl5pPr marL="1828800" algn="l" defTabSz="914400" rtl="0" eaLnBrk="1" latinLnBrk="0" hangingPunct="1">
+      <a:defRPr sz="1200" kern="1200">
+        <a:solidFill>
+          <a:schemeClr val="tx1"/>
+        </a:solidFill>
+        <a:latin typeface="+mn-lt"/>
+        <a:ea typeface="+mn-ea"/>
+        <a:cs typeface="+mn-cs"/>
+      </a:defRPr>
+    </a:lvl5pPr>
+    <a:lvl6pPr marL="2286000" algn="l" defTabSz="914400" rtl="0" eaLnBrk="1" latinLnBrk="0" hangingPunct="1">
+      <a:defRPr sz="1200" kern="1200">
+        <a:solidFill>
+          <a:schemeClr val="tx1"/>
+        </a:solidFill>
+        <a:latin typeface="+mn-lt"/>
+        <a:ea typeface="+mn-ea"/>
+        <a:cs typeface="+mn-cs"/>
+      </a:defRPr>
+    </a:lvl6pPr>
+    <a:lvl7pPr marL="2743200" algn="l" defTabSz="914400" rtl="0" eaLnBrk="1" latinLnBrk="0" hangingPunct="1">
+      <a:defRPr sz="1200" kern="1200">
+        <a:solidFill>
+          <a:schemeClr val="tx1"/>
+        </a:solidFill>
+        <a:latin typeface="+mn-lt"/>
+        <a:ea typeface="+mn-ea"/>
+        <a:cs typeface="+mn-cs"/>
+      </a:defRPr>
+    </a:lvl7pPr>
+    <a:lvl8pPr marL="3200400" algn="l" defTabSz="914400" rtl="0" eaLnBrk="1" latinLnBrk="0" hangingPunct="1">
+      <a:defRPr sz="1200" kern="1200">
+        <a:solidFill>
+          <a:schemeClr val="tx1"/>
+        </a:solidFill>
+        <a:latin typeface="+mn-lt"/>
+        <a:ea typeface="+mn-ea"/>
+        <a:cs typeface="+mn-cs"/>
+      </a:defRPr>
+    </a:lvl8pPr>
+    <a:lvl9pPr marL="3657600" algn="l" defTabSz="914400" rtl="0" eaLnBrk="1" latinLnBrk="0" hangingPunct="1">
+      <a:defRPr sz="1200" kern="1200">
+        <a:solidFill>
+          <a:schemeClr val="tx1"/>
+        </a:solidFill>
+        <a:latin typeface="+mn-lt"/>
+        <a:ea typeface="+mn-ea"/>
+        <a:cs typeface="+mn-cs"/>
+      </a:defRPr>
+    </a:lvl9pPr>
+  </p:notesStyle>
+</p:notesMaster>
+</file>
+
+<file path=ppt/notesSlides/notesSlide1.xml><?xml version="1.0" encoding="utf-8"?>
+<p:notes xmlns:a="http://schemas.openxmlformats.org/drawingml/2006/main" xmlns:r="http://schemas.openxmlformats.org/officeDocument/2006/relationships" xmlns:p="http://schemas.openxmlformats.org/presentationml/2006/main">
+  <p:cSld>
+    <p:spTree>
+      <p:nvGrpSpPr>
+        <p:cNvPr id="1" name=""/>
+        <p:cNvGrpSpPr/>
+        <p:nvPr/>
+      </p:nvGrpSpPr>
+      <p:grpSpPr>
+        <a:xfrm>
+          <a:off x="0" y="0"/>
+          <a:ext cx="0" cy="0"/>
+          <a:chOff x="0" y="0"/>
+          <a:chExt cx="0" cy="0"/>
+        </a:xfrm>
+      </p:grpSpPr>
+      <p:sp>
+        <p:nvSpPr>
+          <p:cNvPr id="2" name="Slide Image Placeholder 1"/>
+          <p:cNvSpPr>
+            <a:spLocks noGrp="1" noRot="1" noChangeAspect="1"/>
+          </p:cNvSpPr>
+          <p:nvPr>
+            <p:ph type="sldImg"/>
+          </p:nvPr>
+        </p:nvSpPr>
+        <p:spPr/>
+      </p:sp>
+      <p:sp>
+        <p:nvSpPr>
+          <p:cNvPr id="3" name="Notes Placeholder 2"/>
+          <p:cNvSpPr>
+            <a:spLocks noGrp="1"/>
+          </p:cNvSpPr>
+          <p:nvPr>
+            <p:ph type="body" idx="1"/>
+          </p:nvPr>
+        </p:nvSpPr>
+        <p:spPr/>
+        <p:txBody>
+          <a:bodyPr/>
+          <a:lstStyle/>
+          <a:p>
+            <a:r>
+              <a:rPr lang="en-US" dirty="0"/>
+              <a:t>Some promoters have long believed that their right to run a company that they or their families founded is absolute. Several of these promoters have embedded themselves into the company permanently. There are two ways in which this is being done. First, by naming themselves into the Articles of Association or by appointing themselves as directors not liable to retire by rotation. Such directors, once appointed, do not need to seek periodic shareholder approval – they have board permanency.</a:t>
+            </a:r>
+          </a:p>
+          <a:p>
+            <a:r>
+              <a:rPr lang="en-US" dirty="0"/>
+              <a:t>SEBI too has recognized this and has modified regulations. From 1 April 2024, these directors will need to seek shareholder approval every five years to continue to serve on the board.</a:t>
+            </a:r>
+          </a:p>
+        </p:txBody>
+      </p:sp>
+      <p:sp>
+        <p:nvSpPr>
+          <p:cNvPr id="4" name="Slide Number Placeholder 3"/>
+          <p:cNvSpPr>
+            <a:spLocks noGrp="1"/>
+          </p:cNvSpPr>
+          <p:nvPr>
+            <p:ph type="sldNum" sz="quarter" idx="5"/>
+          </p:nvPr>
+        </p:nvSpPr>
+        <p:spPr/>
+        <p:txBody>
+          <a:bodyPr/>
+          <a:lstStyle/>
+          <a:p>
+            <a:fld id="{25058FBD-C358-0248-AB24-F9F9A1943860}" type="slidenum">
+              <a:rPr lang="en-US" smtClean="0"/>
+              <a:t>3</a:t>
+            </a:fld>
+            <a:endParaRPr lang="en-US"/>
+          </a:p>
+        </p:txBody>
+      </p:sp>
+    </p:spTree>
+    <p:extLst>
+      <p:ext uri="{BB962C8B-B14F-4D97-AF65-F5344CB8AC3E}">
+        <p14:creationId xmlns:p14="http://schemas.microsoft.com/office/powerpoint/2010/main" val="1828782671"/>
+      </p:ext>
+    </p:extLst>
+  </p:cSld>
+  <p:clrMapOvr>
+    <a:masterClrMapping/>
+  </p:clrMapOvr>
+</p:notes>
 </file>
 
 <file path=ppt/slideLayouts/slideLayout1.xml><?xml version="1.0" encoding="utf-8"?>
@@ -264,7 +779,7 @@
           <a:p>
             <a:fld id="{C3DC7114-FF28-4C4F-9681-EA45511E2BCA}" type="datetimeFigureOut">
               <a:rPr lang="en-US" smtClean="0"/>
-              <a:t>1/27/25</a:t>
+              <a:t>2/13/25</a:t>
             </a:fld>
             <a:endParaRPr lang="en-US"/>
           </a:p>
@@ -462,7 +977,7 @@
           <a:p>
             <a:fld id="{C3DC7114-FF28-4C4F-9681-EA45511E2BCA}" type="datetimeFigureOut">
               <a:rPr lang="en-US" smtClean="0"/>
-              <a:t>1/27/25</a:t>
+              <a:t>2/13/25</a:t>
             </a:fld>
             <a:endParaRPr lang="en-US"/>
           </a:p>
@@ -670,7 +1185,7 @@
           <a:p>
             <a:fld id="{C3DC7114-FF28-4C4F-9681-EA45511E2BCA}" type="datetimeFigureOut">
               <a:rPr lang="en-US" smtClean="0"/>
-              <a:t>1/27/25</a:t>
+              <a:t>2/13/25</a:t>
             </a:fld>
             <a:endParaRPr lang="en-US"/>
           </a:p>
@@ -868,7 +1383,7 @@
           <a:p>
             <a:fld id="{C3DC7114-FF28-4C4F-9681-EA45511E2BCA}" type="datetimeFigureOut">
               <a:rPr lang="en-US" smtClean="0"/>
-              <a:t>1/27/25</a:t>
+              <a:t>2/13/25</a:t>
             </a:fld>
             <a:endParaRPr lang="en-US"/>
           </a:p>
@@ -1143,7 +1658,7 @@
           <a:p>
             <a:fld id="{C3DC7114-FF28-4C4F-9681-EA45511E2BCA}" type="datetimeFigureOut">
               <a:rPr lang="en-US" smtClean="0"/>
-              <a:t>1/27/25</a:t>
+              <a:t>2/13/25</a:t>
             </a:fld>
             <a:endParaRPr lang="en-US"/>
           </a:p>
@@ -1408,7 +1923,7 @@
           <a:p>
             <a:fld id="{C3DC7114-FF28-4C4F-9681-EA45511E2BCA}" type="datetimeFigureOut">
               <a:rPr lang="en-US" smtClean="0"/>
-              <a:t>1/27/25</a:t>
+              <a:t>2/13/25</a:t>
             </a:fld>
             <a:endParaRPr lang="en-US"/>
           </a:p>
@@ -1820,7 +2335,7 @@
           <a:p>
             <a:fld id="{C3DC7114-FF28-4C4F-9681-EA45511E2BCA}" type="datetimeFigureOut">
               <a:rPr lang="en-US" smtClean="0"/>
-              <a:t>1/27/25</a:t>
+              <a:t>2/13/25</a:t>
             </a:fld>
             <a:endParaRPr lang="en-US"/>
           </a:p>
@@ -1961,7 +2476,7 @@
           <a:p>
             <a:fld id="{C3DC7114-FF28-4C4F-9681-EA45511E2BCA}" type="datetimeFigureOut">
               <a:rPr lang="en-US" smtClean="0"/>
-              <a:t>1/27/25</a:t>
+              <a:t>2/13/25</a:t>
             </a:fld>
             <a:endParaRPr lang="en-US"/>
           </a:p>
@@ -2074,7 +2589,7 @@
           <a:p>
             <a:fld id="{C3DC7114-FF28-4C4F-9681-EA45511E2BCA}" type="datetimeFigureOut">
               <a:rPr lang="en-US" smtClean="0"/>
-              <a:t>1/27/25</a:t>
+              <a:t>2/13/25</a:t>
             </a:fld>
             <a:endParaRPr lang="en-US"/>
           </a:p>
@@ -2385,7 +2900,7 @@
           <a:p>
             <a:fld id="{C3DC7114-FF28-4C4F-9681-EA45511E2BCA}" type="datetimeFigureOut">
               <a:rPr lang="en-US" smtClean="0"/>
-              <a:t>1/27/25</a:t>
+              <a:t>2/13/25</a:t>
             </a:fld>
             <a:endParaRPr lang="en-US"/>
           </a:p>
@@ -2673,7 +3188,7 @@
           <a:p>
             <a:fld id="{C3DC7114-FF28-4C4F-9681-EA45511E2BCA}" type="datetimeFigureOut">
               <a:rPr lang="en-US" smtClean="0"/>
-              <a:t>1/27/25</a:t>
+              <a:t>2/13/25</a:t>
             </a:fld>
             <a:endParaRPr lang="en-US"/>
           </a:p>
@@ -2914,7 +3429,7 @@
           <a:p>
             <a:fld id="{C3DC7114-FF28-4C4F-9681-EA45511E2BCA}" type="datetimeFigureOut">
               <a:rPr lang="en-US" smtClean="0"/>
-              <a:t>1/27/25</a:t>
+              <a:t>2/13/25</a:t>
             </a:fld>
             <a:endParaRPr lang="en-US"/>
           </a:p>
@@ -3408,7 +3923,7 @@
         <p:cNvPr id="1" name="">
           <a:extLst>
             <a:ext uri="{FF2B5EF4-FFF2-40B4-BE49-F238E27FC236}">
-              <a16:creationId xmlns:a16="http://schemas.microsoft.com/office/drawing/2014/main" id="{64B81412-EB48-6A1E-3830-9251B1D87ED7}"/>
+              <a16:creationId xmlns:a16="http://schemas.microsoft.com/office/drawing/2014/main" id="{6B5A901E-91A4-90A0-6E33-DF5E464D556D}"/>
             </a:ext>
           </a:extLst>
         </p:cNvPr>
@@ -3428,7 +3943,7 @@
           <p:cNvPr id="2" name="Title 1">
             <a:extLst>
               <a:ext uri="{FF2B5EF4-FFF2-40B4-BE49-F238E27FC236}">
-                <a16:creationId xmlns:a16="http://schemas.microsoft.com/office/drawing/2014/main" id="{C46CAA43-B684-9A75-0249-F2A49ABE3DC4}"/>
+                <a16:creationId xmlns:a16="http://schemas.microsoft.com/office/drawing/2014/main" id="{C2B9DD61-E250-334C-EA5F-A5F719BE686E}"/>
               </a:ext>
             </a:extLst>
           </p:cNvPr>
@@ -3439,14 +3954,19 @@
             <p:ph type="title"/>
           </p:nvPr>
         </p:nvSpPr>
-        <p:spPr/>
+        <p:spPr>
+          <a:xfrm>
+            <a:off x="0" y="108526"/>
+            <a:ext cx="10515600" cy="1325563"/>
+          </a:xfrm>
+        </p:spPr>
         <p:txBody>
           <a:bodyPr/>
           <a:lstStyle/>
           <a:p>
             <a:r>
               <a:rPr lang="en-US" dirty="0"/>
-              <a:t>Category IV: Responsibilities of the board </a:t>
+              <a:t>Category III: Transparency and Disclosure</a:t>
             </a:r>
           </a:p>
         </p:txBody>
@@ -3456,7 +3976,7 @@
           <p:cNvPr id="3" name="Content Placeholder 2">
             <a:extLst>
               <a:ext uri="{FF2B5EF4-FFF2-40B4-BE49-F238E27FC236}">
-                <a16:creationId xmlns:a16="http://schemas.microsoft.com/office/drawing/2014/main" id="{41F30A9C-1ADE-CC54-DC58-C1C87DF73CBA}"/>
+                <a16:creationId xmlns:a16="http://schemas.microsoft.com/office/drawing/2014/main" id="{D2CBCF9C-A3C8-107E-2601-481E0941D04D}"/>
               </a:ext>
             </a:extLst>
           </p:cNvPr>
@@ -3467,39 +3987,79 @@
             <p:ph idx="1"/>
           </p:nvPr>
         </p:nvSpPr>
-        <p:spPr/>
+        <p:spPr>
+          <a:xfrm>
+            <a:off x="0" y="1253331"/>
+            <a:ext cx="10515600" cy="4351338"/>
+          </a:xfrm>
+        </p:spPr>
         <p:txBody>
           <a:bodyPr>
             <a:normAutofit/>
           </a:bodyPr>
           <a:lstStyle/>
           <a:p>
+            <a:r>
+              <a:rPr lang="en-US" dirty="0"/>
+              <a:t>Concerns over financial statements (Q28)</a:t>
+            </a:r>
+          </a:p>
+          <a:p>
             <a:pPr lvl="1"/>
             <a:r>
               <a:rPr lang="en-US" dirty="0"/>
-              <a:t>Do the board committees have adequate independent representation? (Q55)</a:t>
-            </a:r>
-          </a:p>
-          <a:p>
-            <a:pPr lvl="2"/>
-            <a:r>
-              <a:rPr lang="en-US" dirty="0"/>
-              <a:t>The audit committee must have more than three directors • There is no executive director in the NRC • No independent director in the audit committee and NRC has a tenure of more than 10 years on the board</a:t>
-            </a:r>
+              <a:t>Check the independent auditors’ note: if qualified/unqualified/emphasis of matter is raised.</a:t>
+            </a:r>
+          </a:p>
+          <a:p>
+            <a:pPr marL="457200" lvl="1" indent="0">
+              <a:buNone/>
+            </a:pPr>
+            <a:endParaRPr lang="en-US" dirty="0"/>
+          </a:p>
+          <a:p>
+            <a:endParaRPr lang="en-US" dirty="0"/>
           </a:p>
           <a:p>
             <a:pPr lvl="1"/>
-            <a:r>
-              <a:rPr lang="en-US" dirty="0"/>
-              <a:t>CEO compensation commensurate with the company's size and performance? (Q63)</a:t>
-            </a:r>
-          </a:p>
-        </p:txBody>
-      </p:sp>
+            <a:endParaRPr lang="en-US" dirty="0"/>
+          </a:p>
+        </p:txBody>
+      </p:sp>
+      <p:pic>
+        <p:nvPicPr>
+          <p:cNvPr id="4" name="Picture 3">
+            <a:extLst>
+              <a:ext uri="{FF2B5EF4-FFF2-40B4-BE49-F238E27FC236}">
+                <a16:creationId xmlns:a16="http://schemas.microsoft.com/office/drawing/2014/main" id="{00880FC6-374E-1B62-63F4-930407EA9DF8}"/>
+              </a:ext>
+            </a:extLst>
+          </p:cNvPr>
+          <p:cNvPicPr>
+            <a:picLocks noChangeAspect="1"/>
+          </p:cNvPicPr>
+          <p:nvPr/>
+        </p:nvPicPr>
+        <p:blipFill>
+          <a:blip r:embed="rId2"/>
+          <a:stretch>
+            <a:fillRect/>
+          </a:stretch>
+        </p:blipFill>
+        <p:spPr>
+          <a:xfrm>
+            <a:off x="2209800" y="2578894"/>
+            <a:ext cx="7772400" cy="3917590"/>
+          </a:xfrm>
+          <a:prstGeom prst="rect">
+            <a:avLst/>
+          </a:prstGeom>
+        </p:spPr>
+      </p:pic>
     </p:spTree>
     <p:extLst>
       <p:ext uri="{BB962C8B-B14F-4D97-AF65-F5344CB8AC3E}">
-        <p14:creationId xmlns:p14="http://schemas.microsoft.com/office/powerpoint/2010/main" val="1016731278"/>
+        <p14:creationId xmlns:p14="http://schemas.microsoft.com/office/powerpoint/2010/main" val="4060441205"/>
       </p:ext>
     </p:extLst>
   </p:cSld>
@@ -3514,7 +4074,13 @@
   <p:cSld>
     <p:spTree>
       <p:nvGrpSpPr>
-        <p:cNvPr id="1" name=""/>
+        <p:cNvPr id="1" name="">
+          <a:extLst>
+            <a:ext uri="{FF2B5EF4-FFF2-40B4-BE49-F238E27FC236}">
+              <a16:creationId xmlns:a16="http://schemas.microsoft.com/office/drawing/2014/main" id="{ACE8134F-0BCB-310B-A3E2-68DAFE4750D5}"/>
+            </a:ext>
+          </a:extLst>
+        </p:cNvPr>
         <p:cNvGrpSpPr/>
         <p:nvPr/>
       </p:nvGrpSpPr>
@@ -3531,7 +4097,7 @@
           <p:cNvPr id="2" name="Title 1">
             <a:extLst>
               <a:ext uri="{FF2B5EF4-FFF2-40B4-BE49-F238E27FC236}">
-                <a16:creationId xmlns:a16="http://schemas.microsoft.com/office/drawing/2014/main" id="{16E65BF5-0585-69BB-0A0E-613C6993AF2F}"/>
+                <a16:creationId xmlns:a16="http://schemas.microsoft.com/office/drawing/2014/main" id="{3E9860BE-CF78-10EE-10F8-C813A5E52EB0}"/>
               </a:ext>
             </a:extLst>
           </p:cNvPr>
@@ -3542,14 +4108,19 @@
             <p:ph type="title"/>
           </p:nvPr>
         </p:nvSpPr>
-        <p:spPr/>
+        <p:spPr>
+          <a:xfrm>
+            <a:off x="0" y="0"/>
+            <a:ext cx="10515600" cy="1325563"/>
+          </a:xfrm>
+        </p:spPr>
         <p:txBody>
           <a:bodyPr/>
           <a:lstStyle/>
           <a:p>
             <a:r>
               <a:rPr lang="en-US" dirty="0"/>
-              <a:t>Sources needed	</a:t>
+              <a:t>Category III: Transparency and Disclosure</a:t>
             </a:r>
           </a:p>
         </p:txBody>
@@ -3559,7 +4130,7 @@
           <p:cNvPr id="3" name="Content Placeholder 2">
             <a:extLst>
               <a:ext uri="{FF2B5EF4-FFF2-40B4-BE49-F238E27FC236}">
-                <a16:creationId xmlns:a16="http://schemas.microsoft.com/office/drawing/2014/main" id="{81B1A3A2-6CBE-2327-9368-16A66D670D86}"/>
+                <a16:creationId xmlns:a16="http://schemas.microsoft.com/office/drawing/2014/main" id="{E569019C-5DB2-B89A-66A3-E03AFDE3A436}"/>
               </a:ext>
             </a:extLst>
           </p:cNvPr>
@@ -3570,46 +4141,1321 @@
             <p:ph idx="1"/>
           </p:nvPr>
         </p:nvSpPr>
-        <p:spPr/>
-        <p:txBody>
-          <a:bodyPr/>
+        <p:spPr>
+          <a:xfrm>
+            <a:off x="0" y="1146752"/>
+            <a:ext cx="10515600" cy="1069975"/>
+          </a:xfrm>
+        </p:spPr>
+        <p:txBody>
+          <a:bodyPr>
+            <a:normAutofit/>
+          </a:bodyPr>
           <a:lstStyle/>
           <a:p>
             <a:r>
               <a:rPr lang="en-US" dirty="0"/>
-              <a:t>Annual Report</a:t>
-            </a:r>
-          </a:p>
-          <a:p>
+              <a:t>Related Party Transactions (Q32)</a:t>
+            </a:r>
+          </a:p>
+          <a:p>
+            <a:pPr lvl="1"/>
             <a:r>
               <a:rPr lang="en-US" dirty="0"/>
-              <a:t>Exchange websites</a:t>
-            </a:r>
-          </a:p>
-          <a:p>
-            <a:r>
-              <a:rPr lang="en-US" dirty="0"/>
-              <a:t>Company website</a:t>
-            </a:r>
-          </a:p>
-          <a:p>
-            <a:r>
-              <a:rPr lang="en-US" dirty="0"/>
-              <a:t>Screener</a:t>
-            </a:r>
-          </a:p>
-          <a:p>
-            <a:r>
-              <a:rPr lang="en-US" dirty="0"/>
-              <a:t>Web search</a:t>
-            </a:r>
-          </a:p>
-        </p:txBody>
-      </p:sp>
+              <a:t>Presence of the policy</a:t>
+            </a:r>
+          </a:p>
+          <a:p>
+            <a:pPr marL="457200" lvl="1" indent="0">
+              <a:buNone/>
+            </a:pPr>
+            <a:endParaRPr lang="en-US" dirty="0"/>
+          </a:p>
+          <a:p>
+            <a:endParaRPr lang="en-US" dirty="0"/>
+          </a:p>
+          <a:p>
+            <a:pPr lvl="1"/>
+            <a:endParaRPr lang="en-US" dirty="0"/>
+          </a:p>
+        </p:txBody>
+      </p:sp>
+      <p:grpSp>
+        <p:nvGrpSpPr>
+          <p:cNvPr id="6" name="Group 5">
+            <a:extLst>
+              <a:ext uri="{FF2B5EF4-FFF2-40B4-BE49-F238E27FC236}">
+                <a16:creationId xmlns:a16="http://schemas.microsoft.com/office/drawing/2014/main" id="{455A98F4-F43B-D390-280F-709B504963DC}"/>
+              </a:ext>
+            </a:extLst>
+          </p:cNvPr>
+          <p:cNvGrpSpPr/>
+          <p:nvPr/>
+        </p:nvGrpSpPr>
+        <p:grpSpPr>
+          <a:xfrm>
+            <a:off x="2209800" y="2113750"/>
+            <a:ext cx="7772400" cy="3116877"/>
+            <a:chOff x="2209800" y="2113750"/>
+            <a:chExt cx="7772400" cy="3116877"/>
+          </a:xfrm>
+        </p:grpSpPr>
+        <p:pic>
+          <p:nvPicPr>
+            <p:cNvPr id="4" name="Picture 3">
+              <a:extLst>
+                <a:ext uri="{FF2B5EF4-FFF2-40B4-BE49-F238E27FC236}">
+                  <a16:creationId xmlns:a16="http://schemas.microsoft.com/office/drawing/2014/main" id="{FDFAB524-ACAF-D0B5-D59B-0264C32A8206}"/>
+                </a:ext>
+              </a:extLst>
+            </p:cNvPr>
+            <p:cNvPicPr>
+              <a:picLocks noChangeAspect="1"/>
+            </p:cNvPicPr>
+            <p:nvPr/>
+          </p:nvPicPr>
+          <p:blipFill>
+            <a:blip r:embed="rId2"/>
+            <a:stretch>
+              <a:fillRect/>
+            </a:stretch>
+          </p:blipFill>
+          <p:spPr>
+            <a:xfrm>
+              <a:off x="2209800" y="2113750"/>
+              <a:ext cx="7772400" cy="2274239"/>
+            </a:xfrm>
+            <a:prstGeom prst="rect">
+              <a:avLst/>
+            </a:prstGeom>
+          </p:spPr>
+        </p:pic>
+        <p:pic>
+          <p:nvPicPr>
+            <p:cNvPr id="5" name="Picture 4">
+              <a:extLst>
+                <a:ext uri="{FF2B5EF4-FFF2-40B4-BE49-F238E27FC236}">
+                  <a16:creationId xmlns:a16="http://schemas.microsoft.com/office/drawing/2014/main" id="{74492E09-C7DE-452D-7AC3-8780F808CB93}"/>
+                </a:ext>
+              </a:extLst>
+            </p:cNvPr>
+            <p:cNvPicPr>
+              <a:picLocks noChangeAspect="1"/>
+            </p:cNvPicPr>
+            <p:nvPr/>
+          </p:nvPicPr>
+          <p:blipFill>
+            <a:blip r:embed="rId3"/>
+            <a:stretch>
+              <a:fillRect/>
+            </a:stretch>
+          </p:blipFill>
+          <p:spPr>
+            <a:xfrm>
+              <a:off x="2209800" y="4387989"/>
+              <a:ext cx="7772400" cy="842638"/>
+            </a:xfrm>
+            <a:prstGeom prst="rect">
+              <a:avLst/>
+            </a:prstGeom>
+          </p:spPr>
+        </p:pic>
+      </p:grpSp>
     </p:spTree>
     <p:extLst>
       <p:ext uri="{BB962C8B-B14F-4D97-AF65-F5344CB8AC3E}">
-        <p14:creationId xmlns:p14="http://schemas.microsoft.com/office/powerpoint/2010/main" val="3804640746"/>
+        <p14:creationId xmlns:p14="http://schemas.microsoft.com/office/powerpoint/2010/main" val="3849529404"/>
+      </p:ext>
+    </p:extLst>
+  </p:cSld>
+  <p:clrMapOvr>
+    <a:masterClrMapping/>
+  </p:clrMapOvr>
+</p:sld>
+</file>
+
+<file path=ppt/slides/slide12.xml><?xml version="1.0" encoding="utf-8"?>
+<p:sld xmlns:a="http://schemas.openxmlformats.org/drawingml/2006/main" xmlns:r="http://schemas.openxmlformats.org/officeDocument/2006/relationships" xmlns:p="http://schemas.openxmlformats.org/presentationml/2006/main">
+  <p:cSld>
+    <p:spTree>
+      <p:nvGrpSpPr>
+        <p:cNvPr id="1" name="">
+          <a:extLst>
+            <a:ext uri="{FF2B5EF4-FFF2-40B4-BE49-F238E27FC236}">
+              <a16:creationId xmlns:a16="http://schemas.microsoft.com/office/drawing/2014/main" id="{4893F86A-4F0A-7191-46E6-69A1D6D7F843}"/>
+            </a:ext>
+          </a:extLst>
+        </p:cNvPr>
+        <p:cNvGrpSpPr/>
+        <p:nvPr/>
+      </p:nvGrpSpPr>
+      <p:grpSpPr>
+        <a:xfrm>
+          <a:off x="0" y="0"/>
+          <a:ext cx="0" cy="0"/>
+          <a:chOff x="0" y="0"/>
+          <a:chExt cx="0" cy="0"/>
+        </a:xfrm>
+      </p:grpSpPr>
+      <p:sp>
+        <p:nvSpPr>
+          <p:cNvPr id="2" name="Title 1">
+            <a:extLst>
+              <a:ext uri="{FF2B5EF4-FFF2-40B4-BE49-F238E27FC236}">
+                <a16:creationId xmlns:a16="http://schemas.microsoft.com/office/drawing/2014/main" id="{3806C0BF-8D36-1CFE-7745-D037BE814B5F}"/>
+              </a:ext>
+            </a:extLst>
+          </p:cNvPr>
+          <p:cNvSpPr>
+            <a:spLocks noGrp="1"/>
+          </p:cNvSpPr>
+          <p:nvPr>
+            <p:ph type="title"/>
+          </p:nvPr>
+        </p:nvSpPr>
+        <p:spPr>
+          <a:xfrm>
+            <a:off x="0" y="18255"/>
+            <a:ext cx="10515600" cy="1325563"/>
+          </a:xfrm>
+        </p:spPr>
+        <p:txBody>
+          <a:bodyPr/>
+          <a:lstStyle/>
+          <a:p>
+            <a:r>
+              <a:rPr lang="en-US" dirty="0"/>
+              <a:t>Category III: Transparency and Disclosure</a:t>
+            </a:r>
+          </a:p>
+        </p:txBody>
+      </p:sp>
+      <p:sp>
+        <p:nvSpPr>
+          <p:cNvPr id="3" name="Content Placeholder 2">
+            <a:extLst>
+              <a:ext uri="{FF2B5EF4-FFF2-40B4-BE49-F238E27FC236}">
+                <a16:creationId xmlns:a16="http://schemas.microsoft.com/office/drawing/2014/main" id="{7FD0D106-D202-75E7-E026-37B6F4BBD7C5}"/>
+              </a:ext>
+            </a:extLst>
+          </p:cNvPr>
+          <p:cNvSpPr>
+            <a:spLocks noGrp="1"/>
+          </p:cNvSpPr>
+          <p:nvPr>
+            <p:ph idx="1"/>
+          </p:nvPr>
+        </p:nvSpPr>
+        <p:spPr>
+          <a:xfrm>
+            <a:off x="0" y="1077480"/>
+            <a:ext cx="10515600" cy="941325"/>
+          </a:xfrm>
+        </p:spPr>
+        <p:txBody>
+          <a:bodyPr>
+            <a:normAutofit/>
+          </a:bodyPr>
+          <a:lstStyle/>
+          <a:p>
+            <a:r>
+              <a:rPr lang="en-US" dirty="0"/>
+              <a:t>Share holding pattern in quarterly results (Q36)</a:t>
+            </a:r>
+          </a:p>
+          <a:p>
+            <a:pPr lvl="1"/>
+            <a:r>
+              <a:rPr lang="en-US" dirty="0"/>
+              <a:t>1 year lookback : promoter, DII,FII</a:t>
+            </a:r>
+          </a:p>
+          <a:p>
+            <a:pPr marL="457200" lvl="1" indent="0">
+              <a:buNone/>
+            </a:pPr>
+            <a:endParaRPr lang="en-US" dirty="0"/>
+          </a:p>
+          <a:p>
+            <a:endParaRPr lang="en-US" dirty="0"/>
+          </a:p>
+          <a:p>
+            <a:pPr lvl="1"/>
+            <a:endParaRPr lang="en-US" dirty="0"/>
+          </a:p>
+        </p:txBody>
+      </p:sp>
+      <p:pic>
+        <p:nvPicPr>
+          <p:cNvPr id="4" name="Picture 3">
+            <a:extLst>
+              <a:ext uri="{FF2B5EF4-FFF2-40B4-BE49-F238E27FC236}">
+                <a16:creationId xmlns:a16="http://schemas.microsoft.com/office/drawing/2014/main" id="{4DE39680-57A0-0750-6348-2343D95DC6A9}"/>
+              </a:ext>
+            </a:extLst>
+          </p:cNvPr>
+          <p:cNvPicPr>
+            <a:picLocks noChangeAspect="1"/>
+          </p:cNvPicPr>
+          <p:nvPr/>
+        </p:nvPicPr>
+        <p:blipFill>
+          <a:blip r:embed="rId2"/>
+          <a:stretch>
+            <a:fillRect/>
+          </a:stretch>
+        </p:blipFill>
+        <p:spPr>
+          <a:xfrm>
+            <a:off x="2209800" y="2292206"/>
+            <a:ext cx="7772400" cy="3911353"/>
+          </a:xfrm>
+          <a:prstGeom prst="rect">
+            <a:avLst/>
+          </a:prstGeom>
+        </p:spPr>
+      </p:pic>
+    </p:spTree>
+    <p:extLst>
+      <p:ext uri="{BB962C8B-B14F-4D97-AF65-F5344CB8AC3E}">
+        <p14:creationId xmlns:p14="http://schemas.microsoft.com/office/powerpoint/2010/main" val="1351383927"/>
+      </p:ext>
+    </p:extLst>
+  </p:cSld>
+  <p:clrMapOvr>
+    <a:masterClrMapping/>
+  </p:clrMapOvr>
+</p:sld>
+</file>
+
+<file path=ppt/slides/slide13.xml><?xml version="1.0" encoding="utf-8"?>
+<p:sld xmlns:a="http://schemas.openxmlformats.org/drawingml/2006/main" xmlns:r="http://schemas.openxmlformats.org/officeDocument/2006/relationships" xmlns:p="http://schemas.openxmlformats.org/presentationml/2006/main">
+  <p:cSld>
+    <p:spTree>
+      <p:nvGrpSpPr>
+        <p:cNvPr id="1" name="">
+          <a:extLst>
+            <a:ext uri="{FF2B5EF4-FFF2-40B4-BE49-F238E27FC236}">
+              <a16:creationId xmlns:a16="http://schemas.microsoft.com/office/drawing/2014/main" id="{61F6A121-DD71-6800-CA1E-618CC92B2FD4}"/>
+            </a:ext>
+          </a:extLst>
+        </p:cNvPr>
+        <p:cNvGrpSpPr/>
+        <p:nvPr/>
+      </p:nvGrpSpPr>
+      <p:grpSpPr>
+        <a:xfrm>
+          <a:off x="0" y="0"/>
+          <a:ext cx="0" cy="0"/>
+          <a:chOff x="0" y="0"/>
+          <a:chExt cx="0" cy="0"/>
+        </a:xfrm>
+      </p:grpSpPr>
+      <p:sp>
+        <p:nvSpPr>
+          <p:cNvPr id="2" name="Title 1">
+            <a:extLst>
+              <a:ext uri="{FF2B5EF4-FFF2-40B4-BE49-F238E27FC236}">
+                <a16:creationId xmlns:a16="http://schemas.microsoft.com/office/drawing/2014/main" id="{5E5A30D8-C7F0-36D6-68DB-0C74490D79F5}"/>
+              </a:ext>
+            </a:extLst>
+          </p:cNvPr>
+          <p:cNvSpPr>
+            <a:spLocks noGrp="1"/>
+          </p:cNvSpPr>
+          <p:nvPr>
+            <p:ph type="title"/>
+          </p:nvPr>
+        </p:nvSpPr>
+        <p:spPr>
+          <a:xfrm>
+            <a:off x="0" y="18255"/>
+            <a:ext cx="10515600" cy="1325563"/>
+          </a:xfrm>
+        </p:spPr>
+        <p:txBody>
+          <a:bodyPr/>
+          <a:lstStyle/>
+          <a:p>
+            <a:r>
+              <a:rPr lang="en-US" dirty="0"/>
+              <a:t>Category III: Transparency and Disclosure</a:t>
+            </a:r>
+          </a:p>
+        </p:txBody>
+      </p:sp>
+      <p:sp>
+        <p:nvSpPr>
+          <p:cNvPr id="3" name="Content Placeholder 2">
+            <a:extLst>
+              <a:ext uri="{FF2B5EF4-FFF2-40B4-BE49-F238E27FC236}">
+                <a16:creationId xmlns:a16="http://schemas.microsoft.com/office/drawing/2014/main" id="{3E3B464C-E08B-E804-7115-3E2F8BE4C10F}"/>
+              </a:ext>
+            </a:extLst>
+          </p:cNvPr>
+          <p:cNvSpPr>
+            <a:spLocks noGrp="1"/>
+          </p:cNvSpPr>
+          <p:nvPr>
+            <p:ph idx="1"/>
+          </p:nvPr>
+        </p:nvSpPr>
+        <p:spPr>
+          <a:xfrm>
+            <a:off x="0" y="1119043"/>
+            <a:ext cx="11693236" cy="1325563"/>
+          </a:xfrm>
+        </p:spPr>
+        <p:txBody>
+          <a:bodyPr>
+            <a:normAutofit/>
+          </a:bodyPr>
+          <a:lstStyle/>
+          <a:p>
+            <a:r>
+              <a:rPr lang="en-US" dirty="0"/>
+              <a:t>Is the shareholding of individual board members and key managerial personnel (KMP) disclosed in the latest annual report? (Q37)</a:t>
+            </a:r>
+          </a:p>
+          <a:p>
+            <a:pPr marL="457200" lvl="1" indent="0">
+              <a:buNone/>
+            </a:pPr>
+            <a:endParaRPr lang="en-US" dirty="0"/>
+          </a:p>
+          <a:p>
+            <a:endParaRPr lang="en-US" dirty="0"/>
+          </a:p>
+          <a:p>
+            <a:pPr lvl="1"/>
+            <a:endParaRPr lang="en-US" dirty="0"/>
+          </a:p>
+        </p:txBody>
+      </p:sp>
+      <p:pic>
+        <p:nvPicPr>
+          <p:cNvPr id="4" name="Picture 3">
+            <a:extLst>
+              <a:ext uri="{FF2B5EF4-FFF2-40B4-BE49-F238E27FC236}">
+                <a16:creationId xmlns:a16="http://schemas.microsoft.com/office/drawing/2014/main" id="{893E88D0-92AD-7865-91DA-54B87D9BB1E3}"/>
+              </a:ext>
+            </a:extLst>
+          </p:cNvPr>
+          <p:cNvPicPr>
+            <a:picLocks noChangeAspect="1"/>
+          </p:cNvPicPr>
+          <p:nvPr/>
+        </p:nvPicPr>
+        <p:blipFill>
+          <a:blip r:embed="rId2"/>
+          <a:stretch>
+            <a:fillRect/>
+          </a:stretch>
+        </p:blipFill>
+        <p:spPr>
+          <a:xfrm>
+            <a:off x="2209800" y="2573784"/>
+            <a:ext cx="7772400" cy="1710431"/>
+          </a:xfrm>
+          <a:prstGeom prst="rect">
+            <a:avLst/>
+          </a:prstGeom>
+        </p:spPr>
+      </p:pic>
+    </p:spTree>
+    <p:extLst>
+      <p:ext uri="{BB962C8B-B14F-4D97-AF65-F5344CB8AC3E}">
+        <p14:creationId xmlns:p14="http://schemas.microsoft.com/office/powerpoint/2010/main" val="3211286161"/>
+      </p:ext>
+    </p:extLst>
+  </p:cSld>
+  <p:clrMapOvr>
+    <a:masterClrMapping/>
+  </p:clrMapOvr>
+</p:sld>
+</file>
+
+<file path=ppt/slides/slide14.xml><?xml version="1.0" encoding="utf-8"?>
+<p:sld xmlns:a="http://schemas.openxmlformats.org/drawingml/2006/main" xmlns:r="http://schemas.openxmlformats.org/officeDocument/2006/relationships" xmlns:p="http://schemas.openxmlformats.org/presentationml/2006/main">
+  <p:cSld>
+    <p:spTree>
+      <p:nvGrpSpPr>
+        <p:cNvPr id="1" name="">
+          <a:extLst>
+            <a:ext uri="{FF2B5EF4-FFF2-40B4-BE49-F238E27FC236}">
+              <a16:creationId xmlns:a16="http://schemas.microsoft.com/office/drawing/2014/main" id="{0E077A59-0F40-8FD0-E95F-5F02E3CB4DF8}"/>
+            </a:ext>
+          </a:extLst>
+        </p:cNvPr>
+        <p:cNvGrpSpPr/>
+        <p:nvPr/>
+      </p:nvGrpSpPr>
+      <p:grpSpPr>
+        <a:xfrm>
+          <a:off x="0" y="0"/>
+          <a:ext cx="0" cy="0"/>
+          <a:chOff x="0" y="0"/>
+          <a:chExt cx="0" cy="0"/>
+        </a:xfrm>
+      </p:grpSpPr>
+      <p:sp>
+        <p:nvSpPr>
+          <p:cNvPr id="2" name="Title 1">
+            <a:extLst>
+              <a:ext uri="{FF2B5EF4-FFF2-40B4-BE49-F238E27FC236}">
+                <a16:creationId xmlns:a16="http://schemas.microsoft.com/office/drawing/2014/main" id="{EC4962F4-0331-E596-C898-AFCD36861F69}"/>
+              </a:ext>
+            </a:extLst>
+          </p:cNvPr>
+          <p:cNvSpPr>
+            <a:spLocks noGrp="1"/>
+          </p:cNvSpPr>
+          <p:nvPr>
+            <p:ph type="title"/>
+          </p:nvPr>
+        </p:nvSpPr>
+        <p:spPr>
+          <a:xfrm>
+            <a:off x="0" y="0"/>
+            <a:ext cx="10515600" cy="1325563"/>
+          </a:xfrm>
+        </p:spPr>
+        <p:txBody>
+          <a:bodyPr/>
+          <a:lstStyle/>
+          <a:p>
+            <a:r>
+              <a:rPr lang="en-US" dirty="0"/>
+              <a:t>Category III: Transparency and Disclosure</a:t>
+            </a:r>
+          </a:p>
+        </p:txBody>
+      </p:sp>
+      <p:sp>
+        <p:nvSpPr>
+          <p:cNvPr id="3" name="Content Placeholder 2">
+            <a:extLst>
+              <a:ext uri="{FF2B5EF4-FFF2-40B4-BE49-F238E27FC236}">
+                <a16:creationId xmlns:a16="http://schemas.microsoft.com/office/drawing/2014/main" id="{2ED53FC3-7149-395D-EBF4-EDADAD866A16}"/>
+              </a:ext>
+            </a:extLst>
+          </p:cNvPr>
+          <p:cNvSpPr>
+            <a:spLocks noGrp="1"/>
+          </p:cNvSpPr>
+          <p:nvPr>
+            <p:ph idx="1"/>
+          </p:nvPr>
+        </p:nvSpPr>
+        <p:spPr>
+          <a:xfrm>
+            <a:off x="0" y="966643"/>
+            <a:ext cx="10515600" cy="1000702"/>
+          </a:xfrm>
+        </p:spPr>
+        <p:txBody>
+          <a:bodyPr>
+            <a:normAutofit/>
+          </a:bodyPr>
+          <a:lstStyle/>
+          <a:p>
+            <a:r>
+              <a:rPr lang="en-US" dirty="0"/>
+              <a:t>Dividend distribution policy (Q38)</a:t>
+            </a:r>
+          </a:p>
+          <a:p>
+            <a:pPr lvl="1"/>
+            <a:r>
+              <a:rPr lang="en-US" dirty="0"/>
+              <a:t>companies need to specify a target payout/retention ratio</a:t>
+            </a:r>
+          </a:p>
+          <a:p>
+            <a:pPr marL="457200" lvl="1" indent="0">
+              <a:buNone/>
+            </a:pPr>
+            <a:endParaRPr lang="en-US" dirty="0"/>
+          </a:p>
+          <a:p>
+            <a:endParaRPr lang="en-US" dirty="0"/>
+          </a:p>
+          <a:p>
+            <a:pPr lvl="1"/>
+            <a:endParaRPr lang="en-US" dirty="0"/>
+          </a:p>
+        </p:txBody>
+      </p:sp>
+      <p:pic>
+        <p:nvPicPr>
+          <p:cNvPr id="4" name="Picture 3">
+            <a:extLst>
+              <a:ext uri="{FF2B5EF4-FFF2-40B4-BE49-F238E27FC236}">
+                <a16:creationId xmlns:a16="http://schemas.microsoft.com/office/drawing/2014/main" id="{C2514455-D19F-301E-CF30-4DDAA39A5D3E}"/>
+              </a:ext>
+            </a:extLst>
+          </p:cNvPr>
+          <p:cNvPicPr>
+            <a:picLocks noChangeAspect="1"/>
+          </p:cNvPicPr>
+          <p:nvPr/>
+        </p:nvPicPr>
+        <p:blipFill>
+          <a:blip r:embed="rId2"/>
+          <a:stretch>
+            <a:fillRect/>
+          </a:stretch>
+        </p:blipFill>
+        <p:spPr>
+          <a:xfrm>
+            <a:off x="2209800" y="2168655"/>
+            <a:ext cx="7772400" cy="3722702"/>
+          </a:xfrm>
+          <a:prstGeom prst="rect">
+            <a:avLst/>
+          </a:prstGeom>
+        </p:spPr>
+      </p:pic>
+    </p:spTree>
+    <p:extLst>
+      <p:ext uri="{BB962C8B-B14F-4D97-AF65-F5344CB8AC3E}">
+        <p14:creationId xmlns:p14="http://schemas.microsoft.com/office/powerpoint/2010/main" val="246115142"/>
+      </p:ext>
+    </p:extLst>
+  </p:cSld>
+  <p:clrMapOvr>
+    <a:masterClrMapping/>
+  </p:clrMapOvr>
+</p:sld>
+</file>
+
+<file path=ppt/slides/slide15.xml><?xml version="1.0" encoding="utf-8"?>
+<p:sld xmlns:a="http://schemas.openxmlformats.org/drawingml/2006/main" xmlns:r="http://schemas.openxmlformats.org/officeDocument/2006/relationships" xmlns:p="http://schemas.openxmlformats.org/presentationml/2006/main">
+  <p:cSld>
+    <p:spTree>
+      <p:nvGrpSpPr>
+        <p:cNvPr id="1" name="">
+          <a:extLst>
+            <a:ext uri="{FF2B5EF4-FFF2-40B4-BE49-F238E27FC236}">
+              <a16:creationId xmlns:a16="http://schemas.microsoft.com/office/drawing/2014/main" id="{AA764C16-E498-E7C1-805D-E8DE45AC779C}"/>
+            </a:ext>
+          </a:extLst>
+        </p:cNvPr>
+        <p:cNvGrpSpPr/>
+        <p:nvPr/>
+      </p:nvGrpSpPr>
+      <p:grpSpPr>
+        <a:xfrm>
+          <a:off x="0" y="0"/>
+          <a:ext cx="0" cy="0"/>
+          <a:chOff x="0" y="0"/>
+          <a:chExt cx="0" cy="0"/>
+        </a:xfrm>
+      </p:grpSpPr>
+      <p:sp>
+        <p:nvSpPr>
+          <p:cNvPr id="2" name="Title 1">
+            <a:extLst>
+              <a:ext uri="{FF2B5EF4-FFF2-40B4-BE49-F238E27FC236}">
+                <a16:creationId xmlns:a16="http://schemas.microsoft.com/office/drawing/2014/main" id="{0F0D8F73-AC4D-2149-6B3C-C634EC07B2B2}"/>
+              </a:ext>
+            </a:extLst>
+          </p:cNvPr>
+          <p:cNvSpPr>
+            <a:spLocks noGrp="1"/>
+          </p:cNvSpPr>
+          <p:nvPr>
+            <p:ph type="title"/>
+          </p:nvPr>
+        </p:nvSpPr>
+        <p:spPr>
+          <a:xfrm>
+            <a:off x="0" y="18255"/>
+            <a:ext cx="10515600" cy="1325563"/>
+          </a:xfrm>
+        </p:spPr>
+        <p:txBody>
+          <a:bodyPr/>
+          <a:lstStyle/>
+          <a:p>
+            <a:r>
+              <a:rPr lang="en-US" dirty="0"/>
+              <a:t>Category III: Transparency and Disclosure</a:t>
+            </a:r>
+          </a:p>
+        </p:txBody>
+      </p:sp>
+      <p:sp>
+        <p:nvSpPr>
+          <p:cNvPr id="3" name="Content Placeholder 2">
+            <a:extLst>
+              <a:ext uri="{FF2B5EF4-FFF2-40B4-BE49-F238E27FC236}">
+                <a16:creationId xmlns:a16="http://schemas.microsoft.com/office/drawing/2014/main" id="{FFECBE59-F54A-88B3-7CC2-ECF59D0A26A5}"/>
+              </a:ext>
+            </a:extLst>
+          </p:cNvPr>
+          <p:cNvSpPr>
+            <a:spLocks noGrp="1"/>
+          </p:cNvSpPr>
+          <p:nvPr>
+            <p:ph idx="1"/>
+          </p:nvPr>
+        </p:nvSpPr>
+        <p:spPr>
+          <a:xfrm>
+            <a:off x="0" y="1049770"/>
+            <a:ext cx="10515600" cy="848303"/>
+          </a:xfrm>
+        </p:spPr>
+        <p:txBody>
+          <a:bodyPr>
+            <a:normAutofit/>
+          </a:bodyPr>
+          <a:lstStyle/>
+          <a:p>
+            <a:pPr lvl="1"/>
+            <a:r>
+              <a:rPr lang="en-US" dirty="0"/>
+              <a:t>Has the company periodically rotated its auditors (firm and partner)? (Q42)</a:t>
+            </a:r>
+          </a:p>
+          <a:p>
+            <a:pPr lvl="1"/>
+            <a:endParaRPr lang="en-US" dirty="0"/>
+          </a:p>
+        </p:txBody>
+      </p:sp>
+      <p:pic>
+        <p:nvPicPr>
+          <p:cNvPr id="5" name="Picture 4">
+            <a:extLst>
+              <a:ext uri="{FF2B5EF4-FFF2-40B4-BE49-F238E27FC236}">
+                <a16:creationId xmlns:a16="http://schemas.microsoft.com/office/drawing/2014/main" id="{98CA509F-1B39-B354-0E1B-7BEB736C9D0D}"/>
+              </a:ext>
+            </a:extLst>
+          </p:cNvPr>
+          <p:cNvPicPr>
+            <a:picLocks noChangeAspect="1"/>
+          </p:cNvPicPr>
+          <p:nvPr/>
+        </p:nvPicPr>
+        <p:blipFill>
+          <a:blip r:embed="rId2"/>
+          <a:stretch>
+            <a:fillRect/>
+          </a:stretch>
+        </p:blipFill>
+        <p:spPr>
+          <a:xfrm>
+            <a:off x="2209800" y="1846570"/>
+            <a:ext cx="7772400" cy="3961660"/>
+          </a:xfrm>
+          <a:prstGeom prst="rect">
+            <a:avLst/>
+          </a:prstGeom>
+        </p:spPr>
+      </p:pic>
+    </p:spTree>
+    <p:extLst>
+      <p:ext uri="{BB962C8B-B14F-4D97-AF65-F5344CB8AC3E}">
+        <p14:creationId xmlns:p14="http://schemas.microsoft.com/office/powerpoint/2010/main" val="2490809126"/>
+      </p:ext>
+    </p:extLst>
+  </p:cSld>
+  <p:clrMapOvr>
+    <a:masterClrMapping/>
+  </p:clrMapOvr>
+</p:sld>
+</file>
+
+<file path=ppt/slides/slide16.xml><?xml version="1.0" encoding="utf-8"?>
+<p:sld xmlns:a="http://schemas.openxmlformats.org/drawingml/2006/main" xmlns:r="http://schemas.openxmlformats.org/officeDocument/2006/relationships" xmlns:p="http://schemas.openxmlformats.org/presentationml/2006/main">
+  <p:cSld>
+    <p:spTree>
+      <p:nvGrpSpPr>
+        <p:cNvPr id="1" name="">
+          <a:extLst>
+            <a:ext uri="{FF2B5EF4-FFF2-40B4-BE49-F238E27FC236}">
+              <a16:creationId xmlns:a16="http://schemas.microsoft.com/office/drawing/2014/main" id="{49D50A28-C92E-0C4B-A91F-8D2472820A99}"/>
+            </a:ext>
+          </a:extLst>
+        </p:cNvPr>
+        <p:cNvGrpSpPr/>
+        <p:nvPr/>
+      </p:nvGrpSpPr>
+      <p:grpSpPr>
+        <a:xfrm>
+          <a:off x="0" y="0"/>
+          <a:ext cx="0" cy="0"/>
+          <a:chOff x="0" y="0"/>
+          <a:chExt cx="0" cy="0"/>
+        </a:xfrm>
+      </p:grpSpPr>
+      <p:sp>
+        <p:nvSpPr>
+          <p:cNvPr id="2" name="Title 1">
+            <a:extLst>
+              <a:ext uri="{FF2B5EF4-FFF2-40B4-BE49-F238E27FC236}">
+                <a16:creationId xmlns:a16="http://schemas.microsoft.com/office/drawing/2014/main" id="{662C25AA-1B2E-AA9A-6426-F19E27D6E060}"/>
+              </a:ext>
+            </a:extLst>
+          </p:cNvPr>
+          <p:cNvSpPr>
+            <a:spLocks noGrp="1"/>
+          </p:cNvSpPr>
+          <p:nvPr>
+            <p:ph type="title"/>
+          </p:nvPr>
+        </p:nvSpPr>
+        <p:spPr>
+          <a:xfrm>
+            <a:off x="0" y="18255"/>
+            <a:ext cx="10515600" cy="1325563"/>
+          </a:xfrm>
+        </p:spPr>
+        <p:txBody>
+          <a:bodyPr/>
+          <a:lstStyle/>
+          <a:p>
+            <a:r>
+              <a:rPr lang="en-US" dirty="0"/>
+              <a:t>Category III: Transparency and Disclosure</a:t>
+            </a:r>
+          </a:p>
+        </p:txBody>
+      </p:sp>
+      <p:sp>
+        <p:nvSpPr>
+          <p:cNvPr id="3" name="Content Placeholder 2">
+            <a:extLst>
+              <a:ext uri="{FF2B5EF4-FFF2-40B4-BE49-F238E27FC236}">
+                <a16:creationId xmlns:a16="http://schemas.microsoft.com/office/drawing/2014/main" id="{EF711C81-1623-7EE0-177E-B24C112AEC8A}"/>
+              </a:ext>
+            </a:extLst>
+          </p:cNvPr>
+          <p:cNvSpPr>
+            <a:spLocks noGrp="1"/>
+          </p:cNvSpPr>
+          <p:nvPr>
+            <p:ph idx="1"/>
+          </p:nvPr>
+        </p:nvSpPr>
+        <p:spPr>
+          <a:xfrm>
+            <a:off x="0" y="1091334"/>
+            <a:ext cx="10515600" cy="792884"/>
+          </a:xfrm>
+        </p:spPr>
+        <p:txBody>
+          <a:bodyPr>
+            <a:normAutofit/>
+          </a:bodyPr>
+          <a:lstStyle/>
+          <a:p>
+            <a:pPr marL="457200" lvl="1" indent="0">
+              <a:buNone/>
+            </a:pPr>
+            <a:r>
+              <a:rPr lang="en-US" dirty="0"/>
+              <a:t>Has the company disclosed the experience of each board member and senior executives? (Q44)</a:t>
+            </a:r>
+          </a:p>
+        </p:txBody>
+      </p:sp>
+      <p:pic>
+        <p:nvPicPr>
+          <p:cNvPr id="4" name="Picture 3">
+            <a:extLst>
+              <a:ext uri="{FF2B5EF4-FFF2-40B4-BE49-F238E27FC236}">
+                <a16:creationId xmlns:a16="http://schemas.microsoft.com/office/drawing/2014/main" id="{B1614E43-1974-3744-253A-7D47D055F3E9}"/>
+              </a:ext>
+            </a:extLst>
+          </p:cNvPr>
+          <p:cNvPicPr>
+            <a:picLocks noChangeAspect="1"/>
+          </p:cNvPicPr>
+          <p:nvPr/>
+        </p:nvPicPr>
+        <p:blipFill>
+          <a:blip r:embed="rId2"/>
+          <a:stretch>
+            <a:fillRect/>
+          </a:stretch>
+        </p:blipFill>
+        <p:spPr>
+          <a:xfrm>
+            <a:off x="2209800" y="2274297"/>
+            <a:ext cx="7772400" cy="2087732"/>
+          </a:xfrm>
+          <a:prstGeom prst="rect">
+            <a:avLst/>
+          </a:prstGeom>
+        </p:spPr>
+      </p:pic>
+    </p:spTree>
+    <p:extLst>
+      <p:ext uri="{BB962C8B-B14F-4D97-AF65-F5344CB8AC3E}">
+        <p14:creationId xmlns:p14="http://schemas.microsoft.com/office/powerpoint/2010/main" val="3330014115"/>
+      </p:ext>
+    </p:extLst>
+  </p:cSld>
+  <p:clrMapOvr>
+    <a:masterClrMapping/>
+  </p:clrMapOvr>
+</p:sld>
+</file>
+
+<file path=ppt/slides/slide17.xml><?xml version="1.0" encoding="utf-8"?>
+<p:sld xmlns:a="http://schemas.openxmlformats.org/drawingml/2006/main" xmlns:r="http://schemas.openxmlformats.org/officeDocument/2006/relationships" xmlns:p="http://schemas.openxmlformats.org/presentationml/2006/main">
+  <p:cSld>
+    <p:spTree>
+      <p:nvGrpSpPr>
+        <p:cNvPr id="1" name="">
+          <a:extLst>
+            <a:ext uri="{FF2B5EF4-FFF2-40B4-BE49-F238E27FC236}">
+              <a16:creationId xmlns:a16="http://schemas.microsoft.com/office/drawing/2014/main" id="{48097378-CB12-3890-12B0-6D831E76D265}"/>
+            </a:ext>
+          </a:extLst>
+        </p:cNvPr>
+        <p:cNvGrpSpPr/>
+        <p:nvPr/>
+      </p:nvGrpSpPr>
+      <p:grpSpPr>
+        <a:xfrm>
+          <a:off x="0" y="0"/>
+          <a:ext cx="0" cy="0"/>
+          <a:chOff x="0" y="0"/>
+          <a:chExt cx="0" cy="0"/>
+        </a:xfrm>
+      </p:grpSpPr>
+      <p:sp>
+        <p:nvSpPr>
+          <p:cNvPr id="2" name="Title 1">
+            <a:extLst>
+              <a:ext uri="{FF2B5EF4-FFF2-40B4-BE49-F238E27FC236}">
+                <a16:creationId xmlns:a16="http://schemas.microsoft.com/office/drawing/2014/main" id="{2AE28A2E-690F-8DCE-336C-216F3A3F959D}"/>
+              </a:ext>
+            </a:extLst>
+          </p:cNvPr>
+          <p:cNvSpPr>
+            <a:spLocks noGrp="1"/>
+          </p:cNvSpPr>
+          <p:nvPr>
+            <p:ph type="title"/>
+          </p:nvPr>
+        </p:nvSpPr>
+        <p:spPr>
+          <a:xfrm>
+            <a:off x="0" y="18255"/>
+            <a:ext cx="10515600" cy="1325563"/>
+          </a:xfrm>
+        </p:spPr>
+        <p:txBody>
+          <a:bodyPr/>
+          <a:lstStyle/>
+          <a:p>
+            <a:r>
+              <a:rPr lang="en-US" dirty="0"/>
+              <a:t>Category III: Transparency and Disclosure</a:t>
+            </a:r>
+          </a:p>
+        </p:txBody>
+      </p:sp>
+      <p:sp>
+        <p:nvSpPr>
+          <p:cNvPr id="3" name="Content Placeholder 2">
+            <a:extLst>
+              <a:ext uri="{FF2B5EF4-FFF2-40B4-BE49-F238E27FC236}">
+                <a16:creationId xmlns:a16="http://schemas.microsoft.com/office/drawing/2014/main" id="{EC012A12-8134-B847-E0EB-513CA3E120BC}"/>
+              </a:ext>
+            </a:extLst>
+          </p:cNvPr>
+          <p:cNvSpPr>
+            <a:spLocks noGrp="1"/>
+          </p:cNvSpPr>
+          <p:nvPr>
+            <p:ph idx="1"/>
+          </p:nvPr>
+        </p:nvSpPr>
+        <p:spPr>
+          <a:xfrm>
+            <a:off x="0" y="1091335"/>
+            <a:ext cx="10515600" cy="1042265"/>
+          </a:xfrm>
+        </p:spPr>
+        <p:txBody>
+          <a:bodyPr>
+            <a:normAutofit lnSpcReduction="10000"/>
+          </a:bodyPr>
+          <a:lstStyle/>
+          <a:p>
+            <a:pPr lvl="1"/>
+            <a:r>
+              <a:rPr lang="en-US" dirty="0"/>
+              <a:t>Has the company, directors or its key managerial personnel (KMP) fined or penalized by regulatory bodies, stock exchanges in the past 12 months? (Q45)</a:t>
+            </a:r>
+          </a:p>
+          <a:p>
+            <a:pPr lvl="1"/>
+            <a:endParaRPr lang="en-US" dirty="0"/>
+          </a:p>
+        </p:txBody>
+      </p:sp>
+      <p:pic>
+        <p:nvPicPr>
+          <p:cNvPr id="4" name="Picture 3">
+            <a:extLst>
+              <a:ext uri="{FF2B5EF4-FFF2-40B4-BE49-F238E27FC236}">
+                <a16:creationId xmlns:a16="http://schemas.microsoft.com/office/drawing/2014/main" id="{69D33061-08E7-8389-B256-2FCC4C9C913F}"/>
+              </a:ext>
+            </a:extLst>
+          </p:cNvPr>
+          <p:cNvPicPr>
+            <a:picLocks noChangeAspect="1"/>
+          </p:cNvPicPr>
+          <p:nvPr/>
+        </p:nvPicPr>
+        <p:blipFill>
+          <a:blip r:embed="rId2"/>
+          <a:stretch>
+            <a:fillRect/>
+          </a:stretch>
+        </p:blipFill>
+        <p:spPr>
+          <a:xfrm>
+            <a:off x="2209800" y="2070717"/>
+            <a:ext cx="7772400" cy="2716566"/>
+          </a:xfrm>
+          <a:prstGeom prst="rect">
+            <a:avLst/>
+          </a:prstGeom>
+        </p:spPr>
+      </p:pic>
+    </p:spTree>
+    <p:extLst>
+      <p:ext uri="{BB962C8B-B14F-4D97-AF65-F5344CB8AC3E}">
+        <p14:creationId xmlns:p14="http://schemas.microsoft.com/office/powerpoint/2010/main" val="2160579646"/>
+      </p:ext>
+    </p:extLst>
+  </p:cSld>
+  <p:clrMapOvr>
+    <a:masterClrMapping/>
+  </p:clrMapOvr>
+</p:sld>
+</file>
+
+<file path=ppt/slides/slide18.xml><?xml version="1.0" encoding="utf-8"?>
+<p:sld xmlns:a="http://schemas.openxmlformats.org/drawingml/2006/main" xmlns:r="http://schemas.openxmlformats.org/officeDocument/2006/relationships" xmlns:p="http://schemas.openxmlformats.org/presentationml/2006/main">
+  <p:cSld>
+    <p:spTree>
+      <p:nvGrpSpPr>
+        <p:cNvPr id="1" name="">
+          <a:extLst>
+            <a:ext uri="{FF2B5EF4-FFF2-40B4-BE49-F238E27FC236}">
+              <a16:creationId xmlns:a16="http://schemas.microsoft.com/office/drawing/2014/main" id="{B698DC25-9319-D9A1-72B4-F4DBB8D2937F}"/>
+            </a:ext>
+          </a:extLst>
+        </p:cNvPr>
+        <p:cNvGrpSpPr/>
+        <p:nvPr/>
+      </p:nvGrpSpPr>
+      <p:grpSpPr>
+        <a:xfrm>
+          <a:off x="0" y="0"/>
+          <a:ext cx="0" cy="0"/>
+          <a:chOff x="0" y="0"/>
+          <a:chExt cx="0" cy="0"/>
+        </a:xfrm>
+      </p:grpSpPr>
+      <p:sp>
+        <p:nvSpPr>
+          <p:cNvPr id="2" name="Title 1">
+            <a:extLst>
+              <a:ext uri="{FF2B5EF4-FFF2-40B4-BE49-F238E27FC236}">
+                <a16:creationId xmlns:a16="http://schemas.microsoft.com/office/drawing/2014/main" id="{9423E025-D571-2D3C-50AD-68632D8419EE}"/>
+              </a:ext>
+            </a:extLst>
+          </p:cNvPr>
+          <p:cNvSpPr>
+            <a:spLocks noGrp="1"/>
+          </p:cNvSpPr>
+          <p:nvPr>
+            <p:ph type="title"/>
+          </p:nvPr>
+        </p:nvSpPr>
+        <p:spPr>
+          <a:xfrm>
+            <a:off x="0" y="0"/>
+            <a:ext cx="10515600" cy="1325563"/>
+          </a:xfrm>
+        </p:spPr>
+        <p:txBody>
+          <a:bodyPr/>
+          <a:lstStyle/>
+          <a:p>
+            <a:r>
+              <a:rPr lang="en-US" dirty="0"/>
+              <a:t>Category IV: Responsibilities of the board </a:t>
+            </a:r>
+          </a:p>
+        </p:txBody>
+      </p:sp>
+      <p:sp>
+        <p:nvSpPr>
+          <p:cNvPr id="3" name="Content Placeholder 2">
+            <a:extLst>
+              <a:ext uri="{FF2B5EF4-FFF2-40B4-BE49-F238E27FC236}">
+                <a16:creationId xmlns:a16="http://schemas.microsoft.com/office/drawing/2014/main" id="{965032AB-6231-F45F-BC49-43A9775C2018}"/>
+              </a:ext>
+            </a:extLst>
+          </p:cNvPr>
+          <p:cNvSpPr>
+            <a:spLocks noGrp="1"/>
+          </p:cNvSpPr>
+          <p:nvPr>
+            <p:ph idx="1"/>
+          </p:nvPr>
+        </p:nvSpPr>
+        <p:spPr>
+          <a:xfrm>
+            <a:off x="0" y="1325563"/>
+            <a:ext cx="10515600" cy="515793"/>
+          </a:xfrm>
+        </p:spPr>
+        <p:txBody>
+          <a:bodyPr>
+            <a:normAutofit/>
+          </a:bodyPr>
+          <a:lstStyle/>
+          <a:p>
+            <a:pPr lvl="1"/>
+            <a:r>
+              <a:rPr lang="en-US" dirty="0"/>
+              <a:t>Engagement of directors (Q48)</a:t>
+            </a:r>
+          </a:p>
+        </p:txBody>
+      </p:sp>
+      <p:grpSp>
+        <p:nvGrpSpPr>
+          <p:cNvPr id="6" name="Group 5">
+            <a:extLst>
+              <a:ext uri="{FF2B5EF4-FFF2-40B4-BE49-F238E27FC236}">
+                <a16:creationId xmlns:a16="http://schemas.microsoft.com/office/drawing/2014/main" id="{40FD304A-82E7-03B1-4DDE-1AEE7CBC098C}"/>
+              </a:ext>
+            </a:extLst>
+          </p:cNvPr>
+          <p:cNvGrpSpPr/>
+          <p:nvPr/>
+        </p:nvGrpSpPr>
+        <p:grpSpPr>
+          <a:xfrm>
+            <a:off x="2057400" y="2004840"/>
+            <a:ext cx="7772400" cy="4137733"/>
+            <a:chOff x="2057400" y="2004840"/>
+            <a:chExt cx="7772400" cy="4137733"/>
+          </a:xfrm>
+        </p:grpSpPr>
+        <p:pic>
+          <p:nvPicPr>
+            <p:cNvPr id="4" name="Picture 3">
+              <a:extLst>
+                <a:ext uri="{FF2B5EF4-FFF2-40B4-BE49-F238E27FC236}">
+                  <a16:creationId xmlns:a16="http://schemas.microsoft.com/office/drawing/2014/main" id="{C9BC2945-C5C6-AE9C-EE06-081C663D8E4F}"/>
+                </a:ext>
+              </a:extLst>
+            </p:cNvPr>
+            <p:cNvPicPr>
+              <a:picLocks noChangeAspect="1"/>
+            </p:cNvPicPr>
+            <p:nvPr/>
+          </p:nvPicPr>
+          <p:blipFill>
+            <a:blip r:embed="rId2"/>
+            <a:stretch>
+              <a:fillRect/>
+            </a:stretch>
+          </p:blipFill>
+          <p:spPr>
+            <a:xfrm>
+              <a:off x="2057400" y="2004840"/>
+              <a:ext cx="7772400" cy="465337"/>
+            </a:xfrm>
+            <a:prstGeom prst="rect">
+              <a:avLst/>
+            </a:prstGeom>
+          </p:spPr>
+        </p:pic>
+        <p:pic>
+          <p:nvPicPr>
+            <p:cNvPr id="5" name="Picture 4">
+              <a:extLst>
+                <a:ext uri="{FF2B5EF4-FFF2-40B4-BE49-F238E27FC236}">
+                  <a16:creationId xmlns:a16="http://schemas.microsoft.com/office/drawing/2014/main" id="{76BDCC35-D35D-2C36-C4C0-FA3DCD46177E}"/>
+                </a:ext>
+              </a:extLst>
+            </p:cNvPr>
+            <p:cNvPicPr>
+              <a:picLocks noChangeAspect="1"/>
+            </p:cNvPicPr>
+            <p:nvPr/>
+          </p:nvPicPr>
+          <p:blipFill>
+            <a:blip r:embed="rId3"/>
+            <a:stretch>
+              <a:fillRect/>
+            </a:stretch>
+          </p:blipFill>
+          <p:spPr>
+            <a:xfrm>
+              <a:off x="2057400" y="2470177"/>
+              <a:ext cx="7772400" cy="3672396"/>
+            </a:xfrm>
+            <a:prstGeom prst="rect">
+              <a:avLst/>
+            </a:prstGeom>
+          </p:spPr>
+        </p:pic>
+      </p:grpSp>
+    </p:spTree>
+    <p:extLst>
+      <p:ext uri="{BB962C8B-B14F-4D97-AF65-F5344CB8AC3E}">
+        <p14:creationId xmlns:p14="http://schemas.microsoft.com/office/powerpoint/2010/main" val="302283024"/>
+      </p:ext>
+    </p:extLst>
+  </p:cSld>
+  <p:clrMapOvr>
+    <a:masterClrMapping/>
+  </p:clrMapOvr>
+</p:sld>
+</file>
+
+<file path=ppt/slides/slide19.xml><?xml version="1.0" encoding="utf-8"?>
+<p:sld xmlns:a="http://schemas.openxmlformats.org/drawingml/2006/main" xmlns:r="http://schemas.openxmlformats.org/officeDocument/2006/relationships" xmlns:p="http://schemas.openxmlformats.org/presentationml/2006/main">
+  <p:cSld>
+    <p:spTree>
+      <p:nvGrpSpPr>
+        <p:cNvPr id="1" name="">
+          <a:extLst>
+            <a:ext uri="{FF2B5EF4-FFF2-40B4-BE49-F238E27FC236}">
+              <a16:creationId xmlns:a16="http://schemas.microsoft.com/office/drawing/2014/main" id="{8637E89F-0072-DC47-EDFD-0AFBFB37FF6D}"/>
+            </a:ext>
+          </a:extLst>
+        </p:cNvPr>
+        <p:cNvGrpSpPr/>
+        <p:nvPr/>
+      </p:nvGrpSpPr>
+      <p:grpSpPr>
+        <a:xfrm>
+          <a:off x="0" y="0"/>
+          <a:ext cx="0" cy="0"/>
+          <a:chOff x="0" y="0"/>
+          <a:chExt cx="0" cy="0"/>
+        </a:xfrm>
+      </p:grpSpPr>
+      <p:sp>
+        <p:nvSpPr>
+          <p:cNvPr id="2" name="Title 1">
+            <a:extLst>
+              <a:ext uri="{FF2B5EF4-FFF2-40B4-BE49-F238E27FC236}">
+                <a16:creationId xmlns:a16="http://schemas.microsoft.com/office/drawing/2014/main" id="{E40D2A8C-B473-B8B6-BA69-1AC23C0CC29F}"/>
+              </a:ext>
+            </a:extLst>
+          </p:cNvPr>
+          <p:cNvSpPr>
+            <a:spLocks noGrp="1"/>
+          </p:cNvSpPr>
+          <p:nvPr>
+            <p:ph type="title"/>
+          </p:nvPr>
+        </p:nvSpPr>
+        <p:spPr>
+          <a:xfrm>
+            <a:off x="0" y="18255"/>
+            <a:ext cx="10515600" cy="1325563"/>
+          </a:xfrm>
+        </p:spPr>
+        <p:txBody>
+          <a:bodyPr/>
+          <a:lstStyle/>
+          <a:p>
+            <a:r>
+              <a:rPr lang="en-US" dirty="0"/>
+              <a:t>Category IV: Responsibilities of the board </a:t>
+            </a:r>
+          </a:p>
+        </p:txBody>
+      </p:sp>
+      <p:sp>
+        <p:nvSpPr>
+          <p:cNvPr id="3" name="Content Placeholder 2">
+            <a:extLst>
+              <a:ext uri="{FF2B5EF4-FFF2-40B4-BE49-F238E27FC236}">
+                <a16:creationId xmlns:a16="http://schemas.microsoft.com/office/drawing/2014/main" id="{0D08B590-8B12-447A-3CEC-3450BD717D69}"/>
+              </a:ext>
+            </a:extLst>
+          </p:cNvPr>
+          <p:cNvSpPr>
+            <a:spLocks noGrp="1"/>
+          </p:cNvSpPr>
+          <p:nvPr>
+            <p:ph idx="1"/>
+          </p:nvPr>
+        </p:nvSpPr>
+        <p:spPr>
+          <a:xfrm>
+            <a:off x="0" y="1113105"/>
+            <a:ext cx="10515600" cy="680069"/>
+          </a:xfrm>
+        </p:spPr>
+        <p:txBody>
+          <a:bodyPr>
+            <a:normAutofit/>
+          </a:bodyPr>
+          <a:lstStyle/>
+          <a:p>
+            <a:pPr lvl="1"/>
+            <a:r>
+              <a:rPr lang="en-US" dirty="0"/>
+              <a:t>Does the board meet sufficiently to exercise due diligence? (Q49)</a:t>
+            </a:r>
+          </a:p>
+        </p:txBody>
+      </p:sp>
+      <p:pic>
+        <p:nvPicPr>
+          <p:cNvPr id="4" name="Picture 3">
+            <a:extLst>
+              <a:ext uri="{FF2B5EF4-FFF2-40B4-BE49-F238E27FC236}">
+                <a16:creationId xmlns:a16="http://schemas.microsoft.com/office/drawing/2014/main" id="{4840E4BC-7A32-ACE1-B816-BFFE9085E768}"/>
+              </a:ext>
+            </a:extLst>
+          </p:cNvPr>
+          <p:cNvPicPr>
+            <a:picLocks noChangeAspect="1"/>
+          </p:cNvPicPr>
+          <p:nvPr/>
+        </p:nvPicPr>
+        <p:blipFill>
+          <a:blip r:embed="rId2"/>
+          <a:stretch>
+            <a:fillRect/>
+          </a:stretch>
+        </p:blipFill>
+        <p:spPr>
+          <a:xfrm>
+            <a:off x="1212273" y="2261071"/>
+            <a:ext cx="7772400" cy="1471473"/>
+          </a:xfrm>
+          <a:prstGeom prst="rect">
+            <a:avLst/>
+          </a:prstGeom>
+        </p:spPr>
+      </p:pic>
+    </p:spTree>
+    <p:extLst>
+      <p:ext uri="{BB962C8B-B14F-4D97-AF65-F5344CB8AC3E}">
+        <p14:creationId xmlns:p14="http://schemas.microsoft.com/office/powerpoint/2010/main" val="1258006220"/>
       </p:ext>
     </p:extLst>
   </p:cSld>
@@ -3687,26 +5533,31 @@
           <a:p>
             <a:r>
               <a:rPr lang="en-US" dirty="0"/>
-              <a:t>Category I: Rights and equitable treatment of shareholders (30%)</a:t>
+              <a:t>Category I: Rights and equitable treatment of shareholders (30%) : Monil</a:t>
             </a:r>
           </a:p>
           <a:p>
             <a:r>
               <a:rPr lang="en-US" dirty="0"/>
-              <a:t>Category II: Role of stakeholders (10%)</a:t>
+              <a:t>Category II: Role of stakeholders (10%) : Supriya</a:t>
             </a:r>
           </a:p>
           <a:p>
             <a:r>
               <a:rPr lang="en-US" dirty="0"/>
-              <a:t> Category III: Transparency and Disclosure (30%)</a:t>
+              <a:t> Category III: Transparency and Disclosure (30%) : Akash</a:t>
             </a:r>
           </a:p>
           <a:p>
             <a:r>
               <a:rPr lang="en-US" dirty="0"/>
-              <a:t>Category IV: Responsibilities of the board (30%)</a:t>
-            </a:r>
+              <a:t>Category IV: Responsibilities of the board (30%) : </a:t>
+            </a:r>
+            <a:r>
+              <a:rPr lang="en-US" dirty="0" err="1"/>
+              <a:t>Divay</a:t>
+            </a:r>
+            <a:endParaRPr lang="en-US" dirty="0"/>
           </a:p>
           <a:p>
             <a:endParaRPr lang="en-US" dirty="0"/>
@@ -3720,6 +5571,1056 @@
     <p:extLst>
       <p:ext uri="{BB962C8B-B14F-4D97-AF65-F5344CB8AC3E}">
         <p14:creationId xmlns:p14="http://schemas.microsoft.com/office/powerpoint/2010/main" val="968023489"/>
+      </p:ext>
+    </p:extLst>
+  </p:cSld>
+  <p:clrMapOvr>
+    <a:masterClrMapping/>
+  </p:clrMapOvr>
+</p:sld>
+</file>
+
+<file path=ppt/slides/slide20.xml><?xml version="1.0" encoding="utf-8"?>
+<p:sld xmlns:a="http://schemas.openxmlformats.org/drawingml/2006/main" xmlns:r="http://schemas.openxmlformats.org/officeDocument/2006/relationships" xmlns:p="http://schemas.openxmlformats.org/presentationml/2006/main">
+  <p:cSld>
+    <p:spTree>
+      <p:nvGrpSpPr>
+        <p:cNvPr id="1" name="">
+          <a:extLst>
+            <a:ext uri="{FF2B5EF4-FFF2-40B4-BE49-F238E27FC236}">
+              <a16:creationId xmlns:a16="http://schemas.microsoft.com/office/drawing/2014/main" id="{4E81E490-7BB4-BAC2-637F-829E4BAB505A}"/>
+            </a:ext>
+          </a:extLst>
+        </p:cNvPr>
+        <p:cNvGrpSpPr/>
+        <p:nvPr/>
+      </p:nvGrpSpPr>
+      <p:grpSpPr>
+        <a:xfrm>
+          <a:off x="0" y="0"/>
+          <a:ext cx="0" cy="0"/>
+          <a:chOff x="0" y="0"/>
+          <a:chExt cx="0" cy="0"/>
+        </a:xfrm>
+      </p:grpSpPr>
+      <p:sp>
+        <p:nvSpPr>
+          <p:cNvPr id="2" name="Title 1">
+            <a:extLst>
+              <a:ext uri="{FF2B5EF4-FFF2-40B4-BE49-F238E27FC236}">
+                <a16:creationId xmlns:a16="http://schemas.microsoft.com/office/drawing/2014/main" id="{4643D77C-ABDC-A4C3-D242-C9D5FE2294B1}"/>
+              </a:ext>
+            </a:extLst>
+          </p:cNvPr>
+          <p:cNvSpPr>
+            <a:spLocks noGrp="1"/>
+          </p:cNvSpPr>
+          <p:nvPr>
+            <p:ph type="title"/>
+          </p:nvPr>
+        </p:nvSpPr>
+        <p:spPr>
+          <a:xfrm>
+            <a:off x="0" y="18255"/>
+            <a:ext cx="10515600" cy="1325563"/>
+          </a:xfrm>
+        </p:spPr>
+        <p:txBody>
+          <a:bodyPr/>
+          <a:lstStyle/>
+          <a:p>
+            <a:r>
+              <a:rPr lang="en-US" dirty="0"/>
+              <a:t>Category IV: Responsibilities of the board </a:t>
+            </a:r>
+          </a:p>
+        </p:txBody>
+      </p:sp>
+      <p:sp>
+        <p:nvSpPr>
+          <p:cNvPr id="3" name="Content Placeholder 2">
+            <a:extLst>
+              <a:ext uri="{FF2B5EF4-FFF2-40B4-BE49-F238E27FC236}">
+                <a16:creationId xmlns:a16="http://schemas.microsoft.com/office/drawing/2014/main" id="{F73F27E1-BFDB-CAD4-DE9C-0120FA685EA2}"/>
+              </a:ext>
+            </a:extLst>
+          </p:cNvPr>
+          <p:cNvSpPr>
+            <a:spLocks noGrp="1"/>
+          </p:cNvSpPr>
+          <p:nvPr>
+            <p:ph idx="1"/>
+          </p:nvPr>
+        </p:nvSpPr>
+        <p:spPr>
+          <a:xfrm>
+            <a:off x="0" y="1101231"/>
+            <a:ext cx="10515600" cy="680069"/>
+          </a:xfrm>
+        </p:spPr>
+        <p:txBody>
+          <a:bodyPr>
+            <a:normAutofit fontScale="92500" lnSpcReduction="10000"/>
+          </a:bodyPr>
+          <a:lstStyle/>
+          <a:p>
+            <a:pPr lvl="1"/>
+            <a:r>
+              <a:rPr lang="en-US" dirty="0"/>
+              <a:t>Board competence (Q51)</a:t>
+            </a:r>
+          </a:p>
+          <a:p>
+            <a:pPr lvl="2"/>
+            <a:r>
+              <a:rPr lang="en-US" dirty="0"/>
+              <a:t>Wide spectrum of expertise  with at least 10 years of experience</a:t>
+            </a:r>
+          </a:p>
+        </p:txBody>
+      </p:sp>
+      <p:grpSp>
+        <p:nvGrpSpPr>
+          <p:cNvPr id="6" name="Group 5">
+            <a:extLst>
+              <a:ext uri="{FF2B5EF4-FFF2-40B4-BE49-F238E27FC236}">
+                <a16:creationId xmlns:a16="http://schemas.microsoft.com/office/drawing/2014/main" id="{63C45C21-7A68-4996-91C8-C31B23A2D14E}"/>
+              </a:ext>
+            </a:extLst>
+          </p:cNvPr>
+          <p:cNvGrpSpPr/>
+          <p:nvPr/>
+        </p:nvGrpSpPr>
+        <p:grpSpPr>
+          <a:xfrm>
+            <a:off x="2809999" y="1983179"/>
+            <a:ext cx="6572002" cy="4689227"/>
+            <a:chOff x="2087087" y="1731504"/>
+            <a:chExt cx="7786255" cy="5997806"/>
+          </a:xfrm>
+        </p:grpSpPr>
+        <p:pic>
+          <p:nvPicPr>
+            <p:cNvPr id="4" name="Picture 3">
+              <a:extLst>
+                <a:ext uri="{FF2B5EF4-FFF2-40B4-BE49-F238E27FC236}">
+                  <a16:creationId xmlns:a16="http://schemas.microsoft.com/office/drawing/2014/main" id="{F4C8BA28-6C25-EB53-1CF8-A0F2B11874F9}"/>
+                </a:ext>
+              </a:extLst>
+            </p:cNvPr>
+            <p:cNvPicPr>
+              <a:picLocks noChangeAspect="1"/>
+            </p:cNvPicPr>
+            <p:nvPr/>
+          </p:nvPicPr>
+          <p:blipFill>
+            <a:blip r:embed="rId2"/>
+            <a:stretch>
+              <a:fillRect/>
+            </a:stretch>
+          </p:blipFill>
+          <p:spPr>
+            <a:xfrm>
+              <a:off x="2100942" y="1731504"/>
+              <a:ext cx="7772400" cy="842638"/>
+            </a:xfrm>
+            <a:prstGeom prst="rect">
+              <a:avLst/>
+            </a:prstGeom>
+          </p:spPr>
+        </p:pic>
+        <p:pic>
+          <p:nvPicPr>
+            <p:cNvPr id="5" name="Picture 4">
+              <a:extLst>
+                <a:ext uri="{FF2B5EF4-FFF2-40B4-BE49-F238E27FC236}">
+                  <a16:creationId xmlns:a16="http://schemas.microsoft.com/office/drawing/2014/main" id="{8212F987-2A53-D7D7-F41A-71D70440C8C4}"/>
+                </a:ext>
+              </a:extLst>
+            </p:cNvPr>
+            <p:cNvPicPr>
+              <a:picLocks noChangeAspect="1"/>
+            </p:cNvPicPr>
+            <p:nvPr/>
+          </p:nvPicPr>
+          <p:blipFill>
+            <a:blip r:embed="rId3"/>
+            <a:stretch>
+              <a:fillRect/>
+            </a:stretch>
+          </p:blipFill>
+          <p:spPr>
+            <a:xfrm>
+              <a:off x="2087087" y="2560287"/>
+              <a:ext cx="7772400" cy="5169023"/>
+            </a:xfrm>
+            <a:prstGeom prst="rect">
+              <a:avLst/>
+            </a:prstGeom>
+          </p:spPr>
+        </p:pic>
+      </p:grpSp>
+    </p:spTree>
+    <p:extLst>
+      <p:ext uri="{BB962C8B-B14F-4D97-AF65-F5344CB8AC3E}">
+        <p14:creationId xmlns:p14="http://schemas.microsoft.com/office/powerpoint/2010/main" val="1636482732"/>
+      </p:ext>
+    </p:extLst>
+  </p:cSld>
+  <p:clrMapOvr>
+    <a:masterClrMapping/>
+  </p:clrMapOvr>
+</p:sld>
+</file>
+
+<file path=ppt/slides/slide21.xml><?xml version="1.0" encoding="utf-8"?>
+<p:sld xmlns:a="http://schemas.openxmlformats.org/drawingml/2006/main" xmlns:r="http://schemas.openxmlformats.org/officeDocument/2006/relationships" xmlns:p="http://schemas.openxmlformats.org/presentationml/2006/main">
+  <p:cSld>
+    <p:spTree>
+      <p:nvGrpSpPr>
+        <p:cNvPr id="1" name="">
+          <a:extLst>
+            <a:ext uri="{FF2B5EF4-FFF2-40B4-BE49-F238E27FC236}">
+              <a16:creationId xmlns:a16="http://schemas.microsoft.com/office/drawing/2014/main" id="{6DBB9A91-F1A9-C27D-ABBC-6BF07ACF3343}"/>
+            </a:ext>
+          </a:extLst>
+        </p:cNvPr>
+        <p:cNvGrpSpPr/>
+        <p:nvPr/>
+      </p:nvGrpSpPr>
+      <p:grpSpPr>
+        <a:xfrm>
+          <a:off x="0" y="0"/>
+          <a:ext cx="0" cy="0"/>
+          <a:chOff x="0" y="0"/>
+          <a:chExt cx="0" cy="0"/>
+        </a:xfrm>
+      </p:grpSpPr>
+      <p:sp>
+        <p:nvSpPr>
+          <p:cNvPr id="2" name="Title 1">
+            <a:extLst>
+              <a:ext uri="{FF2B5EF4-FFF2-40B4-BE49-F238E27FC236}">
+                <a16:creationId xmlns:a16="http://schemas.microsoft.com/office/drawing/2014/main" id="{2F53A70E-AAA3-2496-812B-3BD304267479}"/>
+              </a:ext>
+            </a:extLst>
+          </p:cNvPr>
+          <p:cNvSpPr>
+            <a:spLocks noGrp="1"/>
+          </p:cNvSpPr>
+          <p:nvPr>
+            <p:ph type="title"/>
+          </p:nvPr>
+        </p:nvSpPr>
+        <p:spPr>
+          <a:xfrm>
+            <a:off x="0" y="18255"/>
+            <a:ext cx="10515600" cy="1325563"/>
+          </a:xfrm>
+        </p:spPr>
+        <p:txBody>
+          <a:bodyPr/>
+          <a:lstStyle/>
+          <a:p>
+            <a:r>
+              <a:rPr lang="en-US" dirty="0"/>
+              <a:t>Category IV: Responsibilities of the board </a:t>
+            </a:r>
+          </a:p>
+        </p:txBody>
+      </p:sp>
+      <p:sp>
+        <p:nvSpPr>
+          <p:cNvPr id="3" name="Content Placeholder 2">
+            <a:extLst>
+              <a:ext uri="{FF2B5EF4-FFF2-40B4-BE49-F238E27FC236}">
+                <a16:creationId xmlns:a16="http://schemas.microsoft.com/office/drawing/2014/main" id="{E042AF17-7B98-7E89-F92C-1D9DBC0ED0B7}"/>
+              </a:ext>
+            </a:extLst>
+          </p:cNvPr>
+          <p:cNvSpPr>
+            <a:spLocks noGrp="1"/>
+          </p:cNvSpPr>
+          <p:nvPr>
+            <p:ph idx="1"/>
+          </p:nvPr>
+        </p:nvSpPr>
+        <p:spPr>
+          <a:xfrm>
+            <a:off x="0" y="1113105"/>
+            <a:ext cx="10515600" cy="1325563"/>
+          </a:xfrm>
+        </p:spPr>
+        <p:txBody>
+          <a:bodyPr>
+            <a:normAutofit/>
+          </a:bodyPr>
+          <a:lstStyle/>
+          <a:p>
+            <a:pPr lvl="1"/>
+            <a:r>
+              <a:rPr lang="en-US" dirty="0"/>
+              <a:t>Gender diversity on board (Q52)</a:t>
+            </a:r>
+          </a:p>
+          <a:p>
+            <a:pPr lvl="2"/>
+            <a:r>
+              <a:rPr lang="en-US" dirty="0"/>
+              <a:t>The company needs to appoint professional women directors on the board who have not had affiliations with the promoter family.</a:t>
+            </a:r>
+          </a:p>
+        </p:txBody>
+      </p:sp>
+      <p:pic>
+        <p:nvPicPr>
+          <p:cNvPr id="4" name="Picture 3">
+            <a:extLst>
+              <a:ext uri="{FF2B5EF4-FFF2-40B4-BE49-F238E27FC236}">
+                <a16:creationId xmlns:a16="http://schemas.microsoft.com/office/drawing/2014/main" id="{C76BA9F7-3C98-DC32-4D93-770B8E7E4453}"/>
+              </a:ext>
+            </a:extLst>
+          </p:cNvPr>
+          <p:cNvPicPr>
+            <a:picLocks noChangeAspect="1"/>
+          </p:cNvPicPr>
+          <p:nvPr/>
+        </p:nvPicPr>
+        <p:blipFill>
+          <a:blip r:embed="rId2"/>
+          <a:stretch>
+            <a:fillRect/>
+          </a:stretch>
+        </p:blipFill>
+        <p:spPr>
+          <a:xfrm>
+            <a:off x="2209800" y="2438668"/>
+            <a:ext cx="7772400" cy="2301535"/>
+          </a:xfrm>
+          <a:prstGeom prst="rect">
+            <a:avLst/>
+          </a:prstGeom>
+        </p:spPr>
+      </p:pic>
+    </p:spTree>
+    <p:extLst>
+      <p:ext uri="{BB962C8B-B14F-4D97-AF65-F5344CB8AC3E}">
+        <p14:creationId xmlns:p14="http://schemas.microsoft.com/office/powerpoint/2010/main" val="3376906262"/>
+      </p:ext>
+    </p:extLst>
+  </p:cSld>
+  <p:clrMapOvr>
+    <a:masterClrMapping/>
+  </p:clrMapOvr>
+</p:sld>
+</file>
+
+<file path=ppt/slides/slide22.xml><?xml version="1.0" encoding="utf-8"?>
+<p:sld xmlns:a="http://schemas.openxmlformats.org/drawingml/2006/main" xmlns:r="http://schemas.openxmlformats.org/officeDocument/2006/relationships" xmlns:p="http://schemas.openxmlformats.org/presentationml/2006/main">
+  <p:cSld>
+    <p:spTree>
+      <p:nvGrpSpPr>
+        <p:cNvPr id="1" name="">
+          <a:extLst>
+            <a:ext uri="{FF2B5EF4-FFF2-40B4-BE49-F238E27FC236}">
+              <a16:creationId xmlns:a16="http://schemas.microsoft.com/office/drawing/2014/main" id="{AE538956-BE29-5F9F-5D4C-015A9BA35F88}"/>
+            </a:ext>
+          </a:extLst>
+        </p:cNvPr>
+        <p:cNvGrpSpPr/>
+        <p:nvPr/>
+      </p:nvGrpSpPr>
+      <p:grpSpPr>
+        <a:xfrm>
+          <a:off x="0" y="0"/>
+          <a:ext cx="0" cy="0"/>
+          <a:chOff x="0" y="0"/>
+          <a:chExt cx="0" cy="0"/>
+        </a:xfrm>
+      </p:grpSpPr>
+      <p:sp>
+        <p:nvSpPr>
+          <p:cNvPr id="2" name="Title 1">
+            <a:extLst>
+              <a:ext uri="{FF2B5EF4-FFF2-40B4-BE49-F238E27FC236}">
+                <a16:creationId xmlns:a16="http://schemas.microsoft.com/office/drawing/2014/main" id="{CE02B832-8091-8D87-E9E0-F4FECBFC8AFA}"/>
+              </a:ext>
+            </a:extLst>
+          </p:cNvPr>
+          <p:cNvSpPr>
+            <a:spLocks noGrp="1"/>
+          </p:cNvSpPr>
+          <p:nvPr>
+            <p:ph type="title"/>
+          </p:nvPr>
+        </p:nvSpPr>
+        <p:spPr>
+          <a:xfrm>
+            <a:off x="0" y="18255"/>
+            <a:ext cx="10515600" cy="1325563"/>
+          </a:xfrm>
+        </p:spPr>
+        <p:txBody>
+          <a:bodyPr/>
+          <a:lstStyle/>
+          <a:p>
+            <a:r>
+              <a:rPr lang="en-US" dirty="0"/>
+              <a:t>Category IV: Responsibilities of the board </a:t>
+            </a:r>
+          </a:p>
+        </p:txBody>
+      </p:sp>
+      <p:sp>
+        <p:nvSpPr>
+          <p:cNvPr id="3" name="Content Placeholder 2">
+            <a:extLst>
+              <a:ext uri="{FF2B5EF4-FFF2-40B4-BE49-F238E27FC236}">
+                <a16:creationId xmlns:a16="http://schemas.microsoft.com/office/drawing/2014/main" id="{26626C33-1843-DA5D-85EA-FF7828611B52}"/>
+              </a:ext>
+            </a:extLst>
+          </p:cNvPr>
+          <p:cNvSpPr>
+            <a:spLocks noGrp="1"/>
+          </p:cNvSpPr>
+          <p:nvPr>
+            <p:ph idx="1"/>
+          </p:nvPr>
+        </p:nvSpPr>
+        <p:spPr>
+          <a:xfrm>
+            <a:off x="0" y="1113105"/>
+            <a:ext cx="10515600" cy="573191"/>
+          </a:xfrm>
+        </p:spPr>
+        <p:txBody>
+          <a:bodyPr>
+            <a:normAutofit/>
+          </a:bodyPr>
+          <a:lstStyle/>
+          <a:p>
+            <a:pPr lvl="1"/>
+            <a:r>
+              <a:rPr lang="en-US" dirty="0"/>
+              <a:t>Is there adequate women representation in the workforce? (Q53)</a:t>
+            </a:r>
+          </a:p>
+        </p:txBody>
+      </p:sp>
+      <p:pic>
+        <p:nvPicPr>
+          <p:cNvPr id="4" name="Picture 3">
+            <a:extLst>
+              <a:ext uri="{FF2B5EF4-FFF2-40B4-BE49-F238E27FC236}">
+                <a16:creationId xmlns:a16="http://schemas.microsoft.com/office/drawing/2014/main" id="{96FB950A-6353-4D2A-0BBA-CFE7B9DDB105}"/>
+              </a:ext>
+            </a:extLst>
+          </p:cNvPr>
+          <p:cNvPicPr>
+            <a:picLocks noChangeAspect="1"/>
+          </p:cNvPicPr>
+          <p:nvPr/>
+        </p:nvPicPr>
+        <p:blipFill>
+          <a:blip r:embed="rId2"/>
+          <a:stretch>
+            <a:fillRect/>
+          </a:stretch>
+        </p:blipFill>
+        <p:spPr>
+          <a:xfrm>
+            <a:off x="2209800" y="2115787"/>
+            <a:ext cx="7772400" cy="1069019"/>
+          </a:xfrm>
+          <a:prstGeom prst="rect">
+            <a:avLst/>
+          </a:prstGeom>
+        </p:spPr>
+      </p:pic>
+    </p:spTree>
+    <p:extLst>
+      <p:ext uri="{BB962C8B-B14F-4D97-AF65-F5344CB8AC3E}">
+        <p14:creationId xmlns:p14="http://schemas.microsoft.com/office/powerpoint/2010/main" val="2111527466"/>
+      </p:ext>
+    </p:extLst>
+  </p:cSld>
+  <p:clrMapOvr>
+    <a:masterClrMapping/>
+  </p:clrMapOvr>
+</p:sld>
+</file>
+
+<file path=ppt/slides/slide23.xml><?xml version="1.0" encoding="utf-8"?>
+<p:sld xmlns:a="http://schemas.openxmlformats.org/drawingml/2006/main" xmlns:r="http://schemas.openxmlformats.org/officeDocument/2006/relationships" xmlns:p="http://schemas.openxmlformats.org/presentationml/2006/main">
+  <p:cSld>
+    <p:spTree>
+      <p:nvGrpSpPr>
+        <p:cNvPr id="1" name="">
+          <a:extLst>
+            <a:ext uri="{FF2B5EF4-FFF2-40B4-BE49-F238E27FC236}">
+              <a16:creationId xmlns:a16="http://schemas.microsoft.com/office/drawing/2014/main" id="{A76A5676-90E9-D3F8-F823-63BC22ABAF66}"/>
+            </a:ext>
+          </a:extLst>
+        </p:cNvPr>
+        <p:cNvGrpSpPr/>
+        <p:nvPr/>
+      </p:nvGrpSpPr>
+      <p:grpSpPr>
+        <a:xfrm>
+          <a:off x="0" y="0"/>
+          <a:ext cx="0" cy="0"/>
+          <a:chOff x="0" y="0"/>
+          <a:chExt cx="0" cy="0"/>
+        </a:xfrm>
+      </p:grpSpPr>
+      <p:sp>
+        <p:nvSpPr>
+          <p:cNvPr id="2" name="Title 1">
+            <a:extLst>
+              <a:ext uri="{FF2B5EF4-FFF2-40B4-BE49-F238E27FC236}">
+                <a16:creationId xmlns:a16="http://schemas.microsoft.com/office/drawing/2014/main" id="{1EDC26DC-BEE6-90A9-49FB-F8E5204D8B75}"/>
+              </a:ext>
+            </a:extLst>
+          </p:cNvPr>
+          <p:cNvSpPr>
+            <a:spLocks noGrp="1"/>
+          </p:cNvSpPr>
+          <p:nvPr>
+            <p:ph type="title"/>
+          </p:nvPr>
+        </p:nvSpPr>
+        <p:spPr>
+          <a:xfrm>
+            <a:off x="0" y="18255"/>
+            <a:ext cx="10515600" cy="1325563"/>
+          </a:xfrm>
+        </p:spPr>
+        <p:txBody>
+          <a:bodyPr/>
+          <a:lstStyle/>
+          <a:p>
+            <a:r>
+              <a:rPr lang="en-US" dirty="0"/>
+              <a:t>Category IV: Responsibilities of the board </a:t>
+            </a:r>
+          </a:p>
+        </p:txBody>
+      </p:sp>
+      <p:sp>
+        <p:nvSpPr>
+          <p:cNvPr id="3" name="Content Placeholder 2">
+            <a:extLst>
+              <a:ext uri="{FF2B5EF4-FFF2-40B4-BE49-F238E27FC236}">
+                <a16:creationId xmlns:a16="http://schemas.microsoft.com/office/drawing/2014/main" id="{0CB377C5-E06E-4692-F414-F8382474010A}"/>
+              </a:ext>
+            </a:extLst>
+          </p:cNvPr>
+          <p:cNvSpPr>
+            <a:spLocks noGrp="1"/>
+          </p:cNvSpPr>
+          <p:nvPr>
+            <p:ph idx="1"/>
+          </p:nvPr>
+        </p:nvSpPr>
+        <p:spPr>
+          <a:xfrm>
+            <a:off x="0" y="1113105"/>
+            <a:ext cx="11649694" cy="1325563"/>
+          </a:xfrm>
+        </p:spPr>
+        <p:txBody>
+          <a:bodyPr>
+            <a:normAutofit/>
+          </a:bodyPr>
+          <a:lstStyle/>
+          <a:p>
+            <a:pPr lvl="1"/>
+            <a:r>
+              <a:rPr lang="en-US" dirty="0"/>
+              <a:t>Adequate independence of the board: (Q54)</a:t>
+            </a:r>
+          </a:p>
+          <a:p>
+            <a:pPr lvl="2"/>
+            <a:r>
+              <a:rPr lang="en-US" dirty="0"/>
+              <a:t>Companies with an executive/promoter Chairperson must have at least 50% directors as independent and other boards must have at least 33% directors as independent</a:t>
+            </a:r>
+          </a:p>
+        </p:txBody>
+      </p:sp>
+      <p:grpSp>
+        <p:nvGrpSpPr>
+          <p:cNvPr id="6" name="Group 5">
+            <a:extLst>
+              <a:ext uri="{FF2B5EF4-FFF2-40B4-BE49-F238E27FC236}">
+                <a16:creationId xmlns:a16="http://schemas.microsoft.com/office/drawing/2014/main" id="{CA2F18B5-B1C9-228D-160C-C13F2EFF52DD}"/>
+              </a:ext>
+            </a:extLst>
+          </p:cNvPr>
+          <p:cNvGrpSpPr/>
+          <p:nvPr/>
+        </p:nvGrpSpPr>
+        <p:grpSpPr>
+          <a:xfrm>
+            <a:off x="2559627" y="2277694"/>
+            <a:ext cx="7072745" cy="4283277"/>
+            <a:chOff x="1924792" y="2438668"/>
+            <a:chExt cx="7784275" cy="5181575"/>
+          </a:xfrm>
+        </p:grpSpPr>
+        <p:pic>
+          <p:nvPicPr>
+            <p:cNvPr id="4" name="Picture 3">
+              <a:extLst>
+                <a:ext uri="{FF2B5EF4-FFF2-40B4-BE49-F238E27FC236}">
+                  <a16:creationId xmlns:a16="http://schemas.microsoft.com/office/drawing/2014/main" id="{172CD623-59FF-6098-059E-6309DDA491A8}"/>
+                </a:ext>
+              </a:extLst>
+            </p:cNvPr>
+            <p:cNvPicPr>
+              <a:picLocks noChangeAspect="1"/>
+            </p:cNvPicPr>
+            <p:nvPr/>
+          </p:nvPicPr>
+          <p:blipFill>
+            <a:blip r:embed="rId2"/>
+            <a:stretch>
+              <a:fillRect/>
+            </a:stretch>
+          </p:blipFill>
+          <p:spPr>
+            <a:xfrm>
+              <a:off x="1936667" y="2438668"/>
+              <a:ext cx="7772400" cy="2917794"/>
+            </a:xfrm>
+            <a:prstGeom prst="rect">
+              <a:avLst/>
+            </a:prstGeom>
+          </p:spPr>
+        </p:pic>
+        <p:pic>
+          <p:nvPicPr>
+            <p:cNvPr id="5" name="Picture 4">
+              <a:extLst>
+                <a:ext uri="{FF2B5EF4-FFF2-40B4-BE49-F238E27FC236}">
+                  <a16:creationId xmlns:a16="http://schemas.microsoft.com/office/drawing/2014/main" id="{1768593D-B66F-3A25-0B0F-C5B806B54257}"/>
+                </a:ext>
+              </a:extLst>
+            </p:cNvPr>
+            <p:cNvPicPr>
+              <a:picLocks noChangeAspect="1"/>
+            </p:cNvPicPr>
+            <p:nvPr/>
+          </p:nvPicPr>
+          <p:blipFill>
+            <a:blip r:embed="rId3"/>
+            <a:stretch>
+              <a:fillRect/>
+            </a:stretch>
+          </p:blipFill>
+          <p:spPr>
+            <a:xfrm>
+              <a:off x="1924792" y="5306131"/>
+              <a:ext cx="7772400" cy="2314112"/>
+            </a:xfrm>
+            <a:prstGeom prst="rect">
+              <a:avLst/>
+            </a:prstGeom>
+          </p:spPr>
+        </p:pic>
+      </p:grpSp>
+    </p:spTree>
+    <p:extLst>
+      <p:ext uri="{BB962C8B-B14F-4D97-AF65-F5344CB8AC3E}">
+        <p14:creationId xmlns:p14="http://schemas.microsoft.com/office/powerpoint/2010/main" val="3776381646"/>
+      </p:ext>
+    </p:extLst>
+  </p:cSld>
+  <p:clrMapOvr>
+    <a:masterClrMapping/>
+  </p:clrMapOvr>
+</p:sld>
+</file>
+
+<file path=ppt/slides/slide24.xml><?xml version="1.0" encoding="utf-8"?>
+<p:sld xmlns:a="http://schemas.openxmlformats.org/drawingml/2006/main" xmlns:r="http://schemas.openxmlformats.org/officeDocument/2006/relationships" xmlns:p="http://schemas.openxmlformats.org/presentationml/2006/main">
+  <p:cSld>
+    <p:spTree>
+      <p:nvGrpSpPr>
+        <p:cNvPr id="1" name="">
+          <a:extLst>
+            <a:ext uri="{FF2B5EF4-FFF2-40B4-BE49-F238E27FC236}">
+              <a16:creationId xmlns:a16="http://schemas.microsoft.com/office/drawing/2014/main" id="{64B81412-EB48-6A1E-3830-9251B1D87ED7}"/>
+            </a:ext>
+          </a:extLst>
+        </p:cNvPr>
+        <p:cNvGrpSpPr/>
+        <p:nvPr/>
+      </p:nvGrpSpPr>
+      <p:grpSpPr>
+        <a:xfrm>
+          <a:off x="0" y="0"/>
+          <a:ext cx="0" cy="0"/>
+          <a:chOff x="0" y="0"/>
+          <a:chExt cx="0" cy="0"/>
+        </a:xfrm>
+      </p:grpSpPr>
+      <p:sp>
+        <p:nvSpPr>
+          <p:cNvPr id="2" name="Title 1">
+            <a:extLst>
+              <a:ext uri="{FF2B5EF4-FFF2-40B4-BE49-F238E27FC236}">
+                <a16:creationId xmlns:a16="http://schemas.microsoft.com/office/drawing/2014/main" id="{C46CAA43-B684-9A75-0249-F2A49ABE3DC4}"/>
+              </a:ext>
+            </a:extLst>
+          </p:cNvPr>
+          <p:cNvSpPr>
+            <a:spLocks noGrp="1"/>
+          </p:cNvSpPr>
+          <p:nvPr>
+            <p:ph type="title"/>
+          </p:nvPr>
+        </p:nvSpPr>
+        <p:spPr>
+          <a:xfrm>
+            <a:off x="0" y="18255"/>
+            <a:ext cx="10515600" cy="1325563"/>
+          </a:xfrm>
+        </p:spPr>
+        <p:txBody>
+          <a:bodyPr/>
+          <a:lstStyle/>
+          <a:p>
+            <a:r>
+              <a:rPr lang="en-US" dirty="0"/>
+              <a:t>Category IV: Responsibilities of the board </a:t>
+            </a:r>
+          </a:p>
+        </p:txBody>
+      </p:sp>
+      <p:sp>
+        <p:nvSpPr>
+          <p:cNvPr id="3" name="Content Placeholder 2">
+            <a:extLst>
+              <a:ext uri="{FF2B5EF4-FFF2-40B4-BE49-F238E27FC236}">
+                <a16:creationId xmlns:a16="http://schemas.microsoft.com/office/drawing/2014/main" id="{41F30A9C-1ADE-CC54-DC58-C1C87DF73CBA}"/>
+              </a:ext>
+            </a:extLst>
+          </p:cNvPr>
+          <p:cNvSpPr>
+            <a:spLocks noGrp="1"/>
+          </p:cNvSpPr>
+          <p:nvPr>
+            <p:ph idx="1"/>
+          </p:nvPr>
+        </p:nvSpPr>
+        <p:spPr>
+          <a:xfrm>
+            <a:off x="-1" y="1124981"/>
+            <a:ext cx="11697195" cy="1325563"/>
+          </a:xfrm>
+        </p:spPr>
+        <p:txBody>
+          <a:bodyPr>
+            <a:normAutofit/>
+          </a:bodyPr>
+          <a:lstStyle/>
+          <a:p>
+            <a:pPr lvl="1"/>
+            <a:r>
+              <a:rPr lang="en-US" dirty="0"/>
+              <a:t>Do the board committees have adequate independent representation? (Q55)</a:t>
+            </a:r>
+          </a:p>
+          <a:p>
+            <a:pPr lvl="2"/>
+            <a:r>
+              <a:rPr lang="en-US" dirty="0"/>
+              <a:t>The audit committee must have more than three directors • There is no executive director in the NRC • No independent director in the audit committee and NRC has a tenure of more than 10 years on the board</a:t>
+            </a:r>
+          </a:p>
+        </p:txBody>
+      </p:sp>
+      <p:pic>
+        <p:nvPicPr>
+          <p:cNvPr id="4" name="Picture 3">
+            <a:extLst>
+              <a:ext uri="{FF2B5EF4-FFF2-40B4-BE49-F238E27FC236}">
+                <a16:creationId xmlns:a16="http://schemas.microsoft.com/office/drawing/2014/main" id="{4191D6A5-C94E-0F27-D794-466A40F8AB54}"/>
+              </a:ext>
+            </a:extLst>
+          </p:cNvPr>
+          <p:cNvPicPr>
+            <a:picLocks noChangeAspect="1"/>
+          </p:cNvPicPr>
+          <p:nvPr/>
+        </p:nvPicPr>
+        <p:blipFill>
+          <a:blip r:embed="rId2"/>
+          <a:stretch>
+            <a:fillRect/>
+          </a:stretch>
+        </p:blipFill>
+        <p:spPr>
+          <a:xfrm>
+            <a:off x="3301831" y="2183795"/>
+            <a:ext cx="7213769" cy="4447323"/>
+          </a:xfrm>
+          <a:prstGeom prst="rect">
+            <a:avLst/>
+          </a:prstGeom>
+        </p:spPr>
+      </p:pic>
+    </p:spTree>
+    <p:extLst>
+      <p:ext uri="{BB962C8B-B14F-4D97-AF65-F5344CB8AC3E}">
+        <p14:creationId xmlns:p14="http://schemas.microsoft.com/office/powerpoint/2010/main" val="1016731278"/>
+      </p:ext>
+    </p:extLst>
+  </p:cSld>
+  <p:clrMapOvr>
+    <a:masterClrMapping/>
+  </p:clrMapOvr>
+</p:sld>
+</file>
+
+<file path=ppt/slides/slide25.xml><?xml version="1.0" encoding="utf-8"?>
+<p:sld xmlns:a="http://schemas.openxmlformats.org/drawingml/2006/main" xmlns:r="http://schemas.openxmlformats.org/officeDocument/2006/relationships" xmlns:p="http://schemas.openxmlformats.org/presentationml/2006/main">
+  <p:cSld>
+    <p:spTree>
+      <p:nvGrpSpPr>
+        <p:cNvPr id="1" name="">
+          <a:extLst>
+            <a:ext uri="{FF2B5EF4-FFF2-40B4-BE49-F238E27FC236}">
+              <a16:creationId xmlns:a16="http://schemas.microsoft.com/office/drawing/2014/main" id="{62339354-73DE-89AB-F89A-8B866963632F}"/>
+            </a:ext>
+          </a:extLst>
+        </p:cNvPr>
+        <p:cNvGrpSpPr/>
+        <p:nvPr/>
+      </p:nvGrpSpPr>
+      <p:grpSpPr>
+        <a:xfrm>
+          <a:off x="0" y="0"/>
+          <a:ext cx="0" cy="0"/>
+          <a:chOff x="0" y="0"/>
+          <a:chExt cx="0" cy="0"/>
+        </a:xfrm>
+      </p:grpSpPr>
+      <p:sp>
+        <p:nvSpPr>
+          <p:cNvPr id="2" name="Title 1">
+            <a:extLst>
+              <a:ext uri="{FF2B5EF4-FFF2-40B4-BE49-F238E27FC236}">
+                <a16:creationId xmlns:a16="http://schemas.microsoft.com/office/drawing/2014/main" id="{89E1745F-3AD6-C042-3308-8F2DD275CC87}"/>
+              </a:ext>
+            </a:extLst>
+          </p:cNvPr>
+          <p:cNvSpPr>
+            <a:spLocks noGrp="1"/>
+          </p:cNvSpPr>
+          <p:nvPr>
+            <p:ph type="title"/>
+          </p:nvPr>
+        </p:nvSpPr>
+        <p:spPr>
+          <a:xfrm>
+            <a:off x="0" y="18255"/>
+            <a:ext cx="10515600" cy="1325563"/>
+          </a:xfrm>
+        </p:spPr>
+        <p:txBody>
+          <a:bodyPr/>
+          <a:lstStyle/>
+          <a:p>
+            <a:r>
+              <a:rPr lang="en-US" dirty="0"/>
+              <a:t>Category IV: Responsibilities of the board </a:t>
+            </a:r>
+          </a:p>
+        </p:txBody>
+      </p:sp>
+      <p:sp>
+        <p:nvSpPr>
+          <p:cNvPr id="3" name="Content Placeholder 2">
+            <a:extLst>
+              <a:ext uri="{FF2B5EF4-FFF2-40B4-BE49-F238E27FC236}">
+                <a16:creationId xmlns:a16="http://schemas.microsoft.com/office/drawing/2014/main" id="{32F2852F-E250-270E-F13C-82A9A4D80B3A}"/>
+              </a:ext>
+            </a:extLst>
+          </p:cNvPr>
+          <p:cNvSpPr>
+            <a:spLocks noGrp="1"/>
+          </p:cNvSpPr>
+          <p:nvPr>
+            <p:ph idx="1"/>
+          </p:nvPr>
+        </p:nvSpPr>
+        <p:spPr>
+          <a:xfrm>
+            <a:off x="-1" y="1124981"/>
+            <a:ext cx="11697195" cy="897783"/>
+          </a:xfrm>
+        </p:spPr>
+        <p:txBody>
+          <a:bodyPr>
+            <a:normAutofit/>
+          </a:bodyPr>
+          <a:lstStyle/>
+          <a:p>
+            <a:pPr lvl="1"/>
+            <a:r>
+              <a:rPr lang="en-US" dirty="0"/>
+              <a:t>CEO compensation commensurate with the company's size and performance? (Q63)</a:t>
+            </a:r>
+          </a:p>
+        </p:txBody>
+      </p:sp>
+      <p:pic>
+        <p:nvPicPr>
+          <p:cNvPr id="4" name="Picture 3">
+            <a:extLst>
+              <a:ext uri="{FF2B5EF4-FFF2-40B4-BE49-F238E27FC236}">
+                <a16:creationId xmlns:a16="http://schemas.microsoft.com/office/drawing/2014/main" id="{82B212E4-DAFA-D494-9770-9B0E8494AFF8}"/>
+              </a:ext>
+            </a:extLst>
+          </p:cNvPr>
+          <p:cNvPicPr>
+            <a:picLocks noChangeAspect="1"/>
+          </p:cNvPicPr>
+          <p:nvPr/>
+        </p:nvPicPr>
+        <p:blipFill>
+          <a:blip r:embed="rId2"/>
+          <a:stretch>
+            <a:fillRect/>
+          </a:stretch>
+        </p:blipFill>
+        <p:spPr>
+          <a:xfrm>
+            <a:off x="2209800" y="1577781"/>
+            <a:ext cx="6726382" cy="4810777"/>
+          </a:xfrm>
+          <a:prstGeom prst="rect">
+            <a:avLst/>
+          </a:prstGeom>
+        </p:spPr>
+      </p:pic>
+    </p:spTree>
+    <p:extLst>
+      <p:ext uri="{BB962C8B-B14F-4D97-AF65-F5344CB8AC3E}">
+        <p14:creationId xmlns:p14="http://schemas.microsoft.com/office/powerpoint/2010/main" val="955601176"/>
+      </p:ext>
+    </p:extLst>
+  </p:cSld>
+  <p:clrMapOvr>
+    <a:masterClrMapping/>
+  </p:clrMapOvr>
+</p:sld>
+</file>
+
+<file path=ppt/slides/slide26.xml><?xml version="1.0" encoding="utf-8"?>
+<p:sld xmlns:a="http://schemas.openxmlformats.org/drawingml/2006/main" xmlns:r="http://schemas.openxmlformats.org/officeDocument/2006/relationships" xmlns:p="http://schemas.openxmlformats.org/presentationml/2006/main">
+  <p:cSld>
+    <p:spTree>
+      <p:nvGrpSpPr>
+        <p:cNvPr id="1" name=""/>
+        <p:cNvGrpSpPr/>
+        <p:nvPr/>
+      </p:nvGrpSpPr>
+      <p:grpSpPr>
+        <a:xfrm>
+          <a:off x="0" y="0"/>
+          <a:ext cx="0" cy="0"/>
+          <a:chOff x="0" y="0"/>
+          <a:chExt cx="0" cy="0"/>
+        </a:xfrm>
+      </p:grpSpPr>
+      <p:sp>
+        <p:nvSpPr>
+          <p:cNvPr id="2" name="Title 1">
+            <a:extLst>
+              <a:ext uri="{FF2B5EF4-FFF2-40B4-BE49-F238E27FC236}">
+                <a16:creationId xmlns:a16="http://schemas.microsoft.com/office/drawing/2014/main" id="{16E65BF5-0585-69BB-0A0E-613C6993AF2F}"/>
+              </a:ext>
+            </a:extLst>
+          </p:cNvPr>
+          <p:cNvSpPr>
+            <a:spLocks noGrp="1"/>
+          </p:cNvSpPr>
+          <p:nvPr>
+            <p:ph type="title"/>
+          </p:nvPr>
+        </p:nvSpPr>
+        <p:spPr/>
+        <p:txBody>
+          <a:bodyPr/>
+          <a:lstStyle/>
+          <a:p>
+            <a:r>
+              <a:rPr lang="en-US" dirty="0"/>
+              <a:t>Sources needed	</a:t>
+            </a:r>
+          </a:p>
+        </p:txBody>
+      </p:sp>
+      <p:sp>
+        <p:nvSpPr>
+          <p:cNvPr id="3" name="Content Placeholder 2">
+            <a:extLst>
+              <a:ext uri="{FF2B5EF4-FFF2-40B4-BE49-F238E27FC236}">
+                <a16:creationId xmlns:a16="http://schemas.microsoft.com/office/drawing/2014/main" id="{81B1A3A2-6CBE-2327-9368-16A66D670D86}"/>
+              </a:ext>
+            </a:extLst>
+          </p:cNvPr>
+          <p:cNvSpPr>
+            <a:spLocks noGrp="1"/>
+          </p:cNvSpPr>
+          <p:nvPr>
+            <p:ph idx="1"/>
+          </p:nvPr>
+        </p:nvSpPr>
+        <p:spPr/>
+        <p:txBody>
+          <a:bodyPr/>
+          <a:lstStyle/>
+          <a:p>
+            <a:r>
+              <a:rPr lang="en-US" dirty="0"/>
+              <a:t>Annual Report</a:t>
+            </a:r>
+          </a:p>
+          <a:p>
+            <a:r>
+              <a:rPr lang="en-US" dirty="0"/>
+              <a:t>Exchange websites</a:t>
+            </a:r>
+          </a:p>
+          <a:p>
+            <a:r>
+              <a:rPr lang="en-US" dirty="0"/>
+              <a:t>Company website</a:t>
+            </a:r>
+          </a:p>
+          <a:p>
+            <a:r>
+              <a:rPr lang="en-US" dirty="0"/>
+              <a:t>Screener</a:t>
+            </a:r>
+          </a:p>
+          <a:p>
+            <a:r>
+              <a:rPr lang="en-US" dirty="0"/>
+              <a:t>Web search</a:t>
+            </a:r>
+          </a:p>
+        </p:txBody>
+      </p:sp>
+    </p:spTree>
+    <p:extLst>
+      <p:ext uri="{BB962C8B-B14F-4D97-AF65-F5344CB8AC3E}">
+        <p14:creationId xmlns:p14="http://schemas.microsoft.com/office/powerpoint/2010/main" val="3804640746"/>
       </p:ext>
     </p:extLst>
   </p:cSld>
@@ -3793,78 +6694,78 @@
         <p:spPr/>
         <p:txBody>
           <a:bodyPr>
-            <a:normAutofit lnSpcReduction="10000"/>
+            <a:normAutofit/>
           </a:bodyPr>
           <a:lstStyle/>
           <a:p>
             <a:r>
-              <a:rPr lang="en-US" dirty="0"/>
-              <a:t>Do resolutions have combined agenda?  (Q3)</a:t>
+              <a:rPr lang="en-US" sz="2400" dirty="0"/>
+              <a:t>Board Permanency</a:t>
             </a:r>
           </a:p>
           <a:p>
             <a:pPr lvl="1"/>
             <a:r>
-              <a:rPr lang="en-US" dirty="0"/>
-              <a:t>Check in notice section of annual report. List out each resolution and assess if it has more than one agenda.</a:t>
-            </a:r>
-          </a:p>
-          <a:p>
-            <a:r>
-              <a:rPr lang="en-US" dirty="0"/>
-              <a:t>If board has director with permanent board seats? (Q4)</a:t>
+              <a:rPr lang="en-US" sz="2000" dirty="0"/>
+              <a:t>See if the appointment date or reappointment date is within 5 years for all directors.</a:t>
             </a:r>
           </a:p>
           <a:p>
             <a:pPr lvl="1"/>
             <a:r>
-              <a:rPr lang="en-US" dirty="0"/>
-              <a:t>See if the appointment date or reappointment date is within 5 years for all directors.</a:t>
+              <a:rPr lang="en-US" sz="2000" dirty="0"/>
+              <a:t>If a director is from lender group, find that out. (If explicitly mentioned)</a:t>
             </a:r>
           </a:p>
           <a:p>
             <a:pPr lvl="1"/>
             <a:r>
-              <a:rPr lang="en-US" dirty="0"/>
-              <a:t>If a director is from lender group, find that out. </a:t>
-            </a:r>
-          </a:p>
-          <a:p>
-            <a:r>
-              <a:rPr lang="en-US" dirty="0"/>
-              <a:t>Within how many months of the fiscal year end was the last AGM held? (Q7)</a:t>
-            </a:r>
+              <a:rPr lang="en-US" sz="2000" dirty="0"/>
+              <a:t>Source : Link</a:t>
+            </a:r>
+          </a:p>
+          <a:p>
+            <a:endParaRPr lang="en-US" sz="2400" dirty="0"/>
           </a:p>
           <a:p>
             <a:pPr lvl="1"/>
-            <a:r>
-              <a:rPr lang="en-US" dirty="0"/>
-              <a:t>T = Date of AGM – FYE</a:t>
-            </a:r>
-          </a:p>
-          <a:p>
-            <a:pPr lvl="1"/>
-            <a:r>
-              <a:rPr lang="en-US" dirty="0"/>
-              <a:t>AGM date could be found in annual report or BSE/NSE</a:t>
-            </a:r>
-          </a:p>
-          <a:p>
-            <a:pPr lvl="1"/>
-            <a:endParaRPr lang="en-US" dirty="0"/>
-          </a:p>
-          <a:p>
-            <a:endParaRPr lang="en-US" dirty="0"/>
-          </a:p>
-          <a:p>
-            <a:pPr lvl="1"/>
-            <a:endParaRPr lang="en-US" dirty="0"/>
-          </a:p>
-          <a:p>
-            <a:endParaRPr lang="en-US" dirty="0"/>
-          </a:p>
-        </p:txBody>
-      </p:sp>
+            <a:endParaRPr lang="en-US" sz="2000" dirty="0"/>
+          </a:p>
+          <a:p>
+            <a:endParaRPr lang="en-US" sz="2400" dirty="0"/>
+          </a:p>
+        </p:txBody>
+      </p:sp>
+      <p:pic>
+        <p:nvPicPr>
+          <p:cNvPr id="4" name="Picture 3">
+            <a:extLst>
+              <a:ext uri="{FF2B5EF4-FFF2-40B4-BE49-F238E27FC236}">
+                <a16:creationId xmlns:a16="http://schemas.microsoft.com/office/drawing/2014/main" id="{466D2A00-93B6-A7CB-0476-DA02FE2F5162}"/>
+              </a:ext>
+            </a:extLst>
+          </p:cNvPr>
+          <p:cNvPicPr>
+            <a:picLocks noChangeAspect="1"/>
+          </p:cNvPicPr>
+          <p:nvPr/>
+        </p:nvPicPr>
+        <p:blipFill>
+          <a:blip r:embed="rId3"/>
+          <a:stretch>
+            <a:fillRect/>
+          </a:stretch>
+        </p:blipFill>
+        <p:spPr>
+          <a:xfrm>
+            <a:off x="838199" y="3641005"/>
+            <a:ext cx="10515601" cy="2670895"/>
+          </a:xfrm>
+          <a:prstGeom prst="rect">
+            <a:avLst/>
+          </a:prstGeom>
+        </p:spPr>
+      </p:pic>
     </p:spTree>
     <p:extLst>
       <p:ext uri="{BB962C8B-B14F-4D97-AF65-F5344CB8AC3E}">
@@ -3879,6 +6780,100 @@
 </file>
 
 <file path=ppt/slides/slide4.xml><?xml version="1.0" encoding="utf-8"?>
+<p:sld xmlns:a="http://schemas.openxmlformats.org/drawingml/2006/main" xmlns:r="http://schemas.openxmlformats.org/officeDocument/2006/relationships" xmlns:p="http://schemas.openxmlformats.org/presentationml/2006/main">
+  <p:cSld>
+    <p:spTree>
+      <p:nvGrpSpPr>
+        <p:cNvPr id="1" name="">
+          <a:extLst>
+            <a:ext uri="{FF2B5EF4-FFF2-40B4-BE49-F238E27FC236}">
+              <a16:creationId xmlns:a16="http://schemas.microsoft.com/office/drawing/2014/main" id="{C10B33A3-EDFE-3E28-8AF7-2362793E2D1A}"/>
+            </a:ext>
+          </a:extLst>
+        </p:cNvPr>
+        <p:cNvGrpSpPr/>
+        <p:nvPr/>
+      </p:nvGrpSpPr>
+      <p:grpSpPr>
+        <a:xfrm>
+          <a:off x="0" y="0"/>
+          <a:ext cx="0" cy="0"/>
+          <a:chOff x="0" y="0"/>
+          <a:chExt cx="0" cy="0"/>
+        </a:xfrm>
+      </p:grpSpPr>
+      <p:sp>
+        <p:nvSpPr>
+          <p:cNvPr id="2" name="Title 1">
+            <a:extLst>
+              <a:ext uri="{FF2B5EF4-FFF2-40B4-BE49-F238E27FC236}">
+                <a16:creationId xmlns:a16="http://schemas.microsoft.com/office/drawing/2014/main" id="{E7BDC58B-4C6F-F867-8673-C5A41979017D}"/>
+              </a:ext>
+            </a:extLst>
+          </p:cNvPr>
+          <p:cNvSpPr>
+            <a:spLocks noGrp="1"/>
+          </p:cNvSpPr>
+          <p:nvPr>
+            <p:ph type="title"/>
+          </p:nvPr>
+        </p:nvSpPr>
+        <p:spPr/>
+        <p:txBody>
+          <a:bodyPr/>
+          <a:lstStyle/>
+          <a:p>
+            <a:r>
+              <a:rPr lang="en-US" dirty="0"/>
+              <a:t>Category I: Rights and equitable treatment of shareholders </a:t>
+            </a:r>
+          </a:p>
+        </p:txBody>
+      </p:sp>
+      <p:pic>
+        <p:nvPicPr>
+          <p:cNvPr id="4" name="Picture 3">
+            <a:extLst>
+              <a:ext uri="{FF2B5EF4-FFF2-40B4-BE49-F238E27FC236}">
+                <a16:creationId xmlns:a16="http://schemas.microsoft.com/office/drawing/2014/main" id="{452952F6-7E49-6150-CD68-70B494527887}"/>
+              </a:ext>
+            </a:extLst>
+          </p:cNvPr>
+          <p:cNvPicPr>
+            <a:picLocks noChangeAspect="1"/>
+          </p:cNvPicPr>
+          <p:nvPr/>
+        </p:nvPicPr>
+        <p:blipFill>
+          <a:blip r:embed="rId2"/>
+          <a:stretch>
+            <a:fillRect/>
+          </a:stretch>
+        </p:blipFill>
+        <p:spPr>
+          <a:xfrm>
+            <a:off x="842350" y="1690687"/>
+            <a:ext cx="10511450" cy="4705125"/>
+          </a:xfrm>
+          <a:prstGeom prst="rect">
+            <a:avLst/>
+          </a:prstGeom>
+        </p:spPr>
+      </p:pic>
+    </p:spTree>
+    <p:extLst>
+      <p:ext uri="{BB962C8B-B14F-4D97-AF65-F5344CB8AC3E}">
+        <p14:creationId xmlns:p14="http://schemas.microsoft.com/office/powerpoint/2010/main" val="3501746113"/>
+      </p:ext>
+    </p:extLst>
+  </p:cSld>
+  <p:clrMapOvr>
+    <a:masterClrMapping/>
+  </p:clrMapOvr>
+</p:sld>
+</file>
+
+<file path=ppt/slides/slide5.xml><?xml version="1.0" encoding="utf-8"?>
 <p:sld xmlns:a="http://schemas.openxmlformats.org/drawingml/2006/main" xmlns:r="http://schemas.openxmlformats.org/officeDocument/2006/relationships" xmlns:p="http://schemas.openxmlformats.org/presentationml/2006/main">
   <p:cSld>
     <p:spTree>
@@ -3917,84 +6912,55 @@
             <p:ph type="title"/>
           </p:nvPr>
         </p:nvSpPr>
-        <p:spPr/>
-        <p:txBody>
-          <a:bodyPr/>
-          <a:lstStyle/>
-          <a:p>
-            <a:r>
-              <a:rPr lang="en-US" dirty="0"/>
+        <p:spPr>
+          <a:xfrm>
+            <a:off x="0" y="0"/>
+            <a:ext cx="10515600" cy="1325563"/>
+          </a:xfrm>
+        </p:spPr>
+        <p:txBody>
+          <a:bodyPr>
+            <a:normAutofit/>
+          </a:bodyPr>
+          <a:lstStyle/>
+          <a:p>
+            <a:r>
+              <a:rPr lang="en-US" sz="3200" dirty="0"/>
               <a:t>Category I: Rights and equitable treatment of shareholders </a:t>
             </a:r>
           </a:p>
         </p:txBody>
       </p:sp>
-      <p:sp>
-        <p:nvSpPr>
-          <p:cNvPr id="3" name="Content Placeholder 2">
-            <a:extLst>
-              <a:ext uri="{FF2B5EF4-FFF2-40B4-BE49-F238E27FC236}">
-                <a16:creationId xmlns:a16="http://schemas.microsoft.com/office/drawing/2014/main" id="{7695AE9D-31CC-70DA-E349-A87C8A4040B4}"/>
-              </a:ext>
-            </a:extLst>
-          </p:cNvPr>
-          <p:cNvSpPr>
-            <a:spLocks noGrp="1"/>
-          </p:cNvSpPr>
-          <p:nvPr>
-            <p:ph idx="1"/>
-          </p:nvPr>
-        </p:nvSpPr>
-        <p:spPr/>
-        <p:txBody>
-          <a:bodyPr>
-            <a:normAutofit fontScale="92500" lnSpcReduction="10000"/>
-          </a:bodyPr>
-          <a:lstStyle/>
-          <a:p>
-            <a:r>
-              <a:rPr lang="en-US" dirty="0"/>
-              <a:t>Does the company have in place a system, including policies and procedures, to facilitate disclosures of conflicts of interest by stakeholders? (Q10)</a:t>
-            </a:r>
-          </a:p>
-          <a:p>
-            <a:pPr marL="457200" lvl="1" indent="0">
-              <a:buNone/>
-            </a:pPr>
-            <a:r>
-              <a:rPr lang="en-US" dirty="0"/>
-              <a:t>• Board cross linkages • Executive directors in Nomination and Remuneration Committee • Controlling shareholders/executive directors in the Audit Committee • Association (directly/indirectly) with competitors • Association with key suppliers/vendors • RPTs with entities associated with directors and senior executives</a:t>
-            </a:r>
-          </a:p>
-          <a:p>
-            <a:r>
-              <a:rPr lang="en-US" dirty="0"/>
-              <a:t>Does the company pay out disproportionately high royalty to its group entities? (Q12)</a:t>
-            </a:r>
-          </a:p>
-          <a:p>
-            <a:pPr lvl="1"/>
-            <a:r>
-              <a:rPr lang="en-US" dirty="0"/>
-              <a:t>Royalty payouts include payments for transfer of technology, and usage of trademark/brand name.</a:t>
-            </a:r>
-          </a:p>
-          <a:p>
-            <a:pPr lvl="1"/>
-            <a:r>
-              <a:rPr lang="en-US" dirty="0"/>
-              <a:t>Check royalty vs the threshold specified in question</a:t>
-            </a:r>
-          </a:p>
-          <a:p>
-            <a:pPr lvl="1"/>
-            <a:endParaRPr lang="en-US" dirty="0"/>
-          </a:p>
-          <a:p>
-            <a:endParaRPr lang="en-US" dirty="0"/>
-          </a:p>
-        </p:txBody>
-      </p:sp>
+      <p:pic>
+        <p:nvPicPr>
+          <p:cNvPr id="4" name="Picture 3">
+            <a:extLst>
+              <a:ext uri="{FF2B5EF4-FFF2-40B4-BE49-F238E27FC236}">
+                <a16:creationId xmlns:a16="http://schemas.microsoft.com/office/drawing/2014/main" id="{8B4301A4-55EA-432A-BD89-8AC811EDD76B}"/>
+              </a:ext>
+            </a:extLst>
+          </p:cNvPr>
+          <p:cNvPicPr>
+            <a:picLocks noChangeAspect="1"/>
+          </p:cNvPicPr>
+          <p:nvPr/>
+        </p:nvPicPr>
+        <p:blipFill>
+          <a:blip r:embed="rId2"/>
+          <a:stretch>
+            <a:fillRect/>
+          </a:stretch>
+        </p:blipFill>
+        <p:spPr>
+          <a:xfrm>
+            <a:off x="201706" y="1012404"/>
+            <a:ext cx="10416987" cy="5225028"/>
+          </a:xfrm>
+          <a:prstGeom prst="rect">
+            <a:avLst/>
+          </a:prstGeom>
+        </p:spPr>
+      </p:pic>
     </p:spTree>
     <p:extLst>
       <p:ext uri="{BB962C8B-B14F-4D97-AF65-F5344CB8AC3E}">
@@ -4008,7 +6974,108 @@
 </p:sld>
 </file>
 
-<file path=ppt/slides/slide5.xml><?xml version="1.0" encoding="utf-8"?>
+<file path=ppt/slides/slide6.xml><?xml version="1.0" encoding="utf-8"?>
+<p:sld xmlns:a="http://schemas.openxmlformats.org/drawingml/2006/main" xmlns:r="http://schemas.openxmlformats.org/officeDocument/2006/relationships" xmlns:p="http://schemas.openxmlformats.org/presentationml/2006/main">
+  <p:cSld>
+    <p:spTree>
+      <p:nvGrpSpPr>
+        <p:cNvPr id="1" name="">
+          <a:extLst>
+            <a:ext uri="{FF2B5EF4-FFF2-40B4-BE49-F238E27FC236}">
+              <a16:creationId xmlns:a16="http://schemas.microsoft.com/office/drawing/2014/main" id="{B57A6028-968B-9B2E-5DC6-AE97F46D409E}"/>
+            </a:ext>
+          </a:extLst>
+        </p:cNvPr>
+        <p:cNvGrpSpPr/>
+        <p:nvPr/>
+      </p:nvGrpSpPr>
+      <p:grpSpPr>
+        <a:xfrm>
+          <a:off x="0" y="0"/>
+          <a:ext cx="0" cy="0"/>
+          <a:chOff x="0" y="0"/>
+          <a:chExt cx="0" cy="0"/>
+        </a:xfrm>
+      </p:grpSpPr>
+      <p:sp>
+        <p:nvSpPr>
+          <p:cNvPr id="2" name="Title 1">
+            <a:extLst>
+              <a:ext uri="{FF2B5EF4-FFF2-40B4-BE49-F238E27FC236}">
+                <a16:creationId xmlns:a16="http://schemas.microsoft.com/office/drawing/2014/main" id="{DFC7A5CA-8DEB-8B04-3E79-FAA8031B5F8A}"/>
+              </a:ext>
+            </a:extLst>
+          </p:cNvPr>
+          <p:cNvSpPr>
+            <a:spLocks noGrp="1"/>
+          </p:cNvSpPr>
+          <p:nvPr>
+            <p:ph type="title"/>
+          </p:nvPr>
+        </p:nvSpPr>
+        <p:spPr>
+          <a:xfrm>
+            <a:off x="0" y="0"/>
+            <a:ext cx="10515600" cy="1325563"/>
+          </a:xfrm>
+        </p:spPr>
+        <p:txBody>
+          <a:bodyPr>
+            <a:normAutofit/>
+          </a:bodyPr>
+          <a:lstStyle/>
+          <a:p>
+            <a:r>
+              <a:rPr lang="en-US" sz="2400" dirty="0"/>
+              <a:t>Category I: Rights and equitable treatment of shareholders </a:t>
+            </a:r>
+          </a:p>
+        </p:txBody>
+      </p:sp>
+      <p:pic>
+        <p:nvPicPr>
+          <p:cNvPr id="4" name="Picture 3">
+            <a:extLst>
+              <a:ext uri="{FF2B5EF4-FFF2-40B4-BE49-F238E27FC236}">
+                <a16:creationId xmlns:a16="http://schemas.microsoft.com/office/drawing/2014/main" id="{6123C5C7-6C97-0400-465C-2A4AA3A85EBA}"/>
+              </a:ext>
+            </a:extLst>
+          </p:cNvPr>
+          <p:cNvPicPr>
+            <a:picLocks noChangeAspect="1"/>
+          </p:cNvPicPr>
+          <p:nvPr/>
+        </p:nvPicPr>
+        <p:blipFill>
+          <a:blip r:embed="rId2"/>
+          <a:stretch>
+            <a:fillRect/>
+          </a:stretch>
+        </p:blipFill>
+        <p:spPr>
+          <a:xfrm>
+            <a:off x="663054" y="855310"/>
+            <a:ext cx="8808323" cy="5884817"/>
+          </a:xfrm>
+          <a:prstGeom prst="rect">
+            <a:avLst/>
+          </a:prstGeom>
+        </p:spPr>
+      </p:pic>
+    </p:spTree>
+    <p:extLst>
+      <p:ext uri="{BB962C8B-B14F-4D97-AF65-F5344CB8AC3E}">
+        <p14:creationId xmlns:p14="http://schemas.microsoft.com/office/powerpoint/2010/main" val="2615650135"/>
+      </p:ext>
+    </p:extLst>
+  </p:cSld>
+  <p:clrMapOvr>
+    <a:masterClrMapping/>
+  </p:clrMapOvr>
+</p:sld>
+</file>
+
+<file path=ppt/slides/slide7.xml><?xml version="1.0" encoding="utf-8"?>
 <p:sld xmlns:a="http://schemas.openxmlformats.org/drawingml/2006/main" xmlns:r="http://schemas.openxmlformats.org/officeDocument/2006/relationships" xmlns:p="http://schemas.openxmlformats.org/presentationml/2006/main">
   <p:cSld>
     <p:spTree>
@@ -4059,45 +7126,117 @@
           </a:p>
         </p:txBody>
       </p:sp>
-      <p:sp>
-        <p:nvSpPr>
-          <p:cNvPr id="3" name="Content Placeholder 2">
-            <a:extLst>
-              <a:ext uri="{FF2B5EF4-FFF2-40B4-BE49-F238E27FC236}">
-                <a16:creationId xmlns:a16="http://schemas.microsoft.com/office/drawing/2014/main" id="{57BF93EE-1188-44AA-7E26-5CCB091B2973}"/>
-              </a:ext>
-            </a:extLst>
-          </p:cNvPr>
-          <p:cNvSpPr>
-            <a:spLocks noGrp="1"/>
-          </p:cNvSpPr>
-          <p:nvPr>
-            <p:ph idx="1"/>
-          </p:nvPr>
-        </p:nvSpPr>
-        <p:spPr/>
-        <p:txBody>
-          <a:bodyPr>
-            <a:normAutofit/>
-          </a:bodyPr>
-          <a:lstStyle/>
-          <a:p>
-            <a:r>
-              <a:rPr lang="en-US" dirty="0"/>
-              <a:t>Is there evidence of structures or mechanisms that have the potential to violate minority shareholder rights? (Q16)</a:t>
-            </a:r>
-          </a:p>
-          <a:p>
-            <a:pPr marL="457200" lvl="1" indent="0">
-              <a:buNone/>
-            </a:pPr>
-            <a:r>
-              <a:rPr lang="en-US" dirty="0"/>
-              <a:t>• Pyramidal holding structures, which results in disproportionate voting power of the promoter • Opaque holding structures where the ultimate beneficial ownership cannot be fully ascertained • Cross holdings between the company and entities of its promoter group • Companies which have many inactive or non-functional subsidiaries/Joint Ventures/associate companies • Companies which have established many subsidiaries/Joint Ventures/associate companies with promoter entities with no clear rationale</a:t>
-            </a:r>
-          </a:p>
-        </p:txBody>
-      </p:sp>
+      <p:pic>
+        <p:nvPicPr>
+          <p:cNvPr id="6" name="Picture 5">
+            <a:extLst>
+              <a:ext uri="{FF2B5EF4-FFF2-40B4-BE49-F238E27FC236}">
+                <a16:creationId xmlns:a16="http://schemas.microsoft.com/office/drawing/2014/main" id="{55924834-A407-7349-0FA8-AC18FB586FAF}"/>
+              </a:ext>
+            </a:extLst>
+          </p:cNvPr>
+          <p:cNvPicPr>
+            <a:picLocks noChangeAspect="1"/>
+          </p:cNvPicPr>
+          <p:nvPr/>
+        </p:nvPicPr>
+        <p:blipFill>
+          <a:blip r:embed="rId2"/>
+          <a:stretch>
+            <a:fillRect/>
+          </a:stretch>
+        </p:blipFill>
+        <p:spPr>
+          <a:xfrm>
+            <a:off x="838200" y="1590498"/>
+            <a:ext cx="7660341" cy="3246698"/>
+          </a:xfrm>
+          <a:prstGeom prst="rect">
+            <a:avLst/>
+          </a:prstGeom>
+        </p:spPr>
+      </p:pic>
+      <p:grpSp>
+        <p:nvGrpSpPr>
+          <p:cNvPr id="10" name="Group 9">
+            <a:extLst>
+              <a:ext uri="{FF2B5EF4-FFF2-40B4-BE49-F238E27FC236}">
+                <a16:creationId xmlns:a16="http://schemas.microsoft.com/office/drawing/2014/main" id="{6B102E74-3AD1-B41F-F99E-F8175129C6C1}"/>
+              </a:ext>
+            </a:extLst>
+          </p:cNvPr>
+          <p:cNvGrpSpPr/>
+          <p:nvPr/>
+        </p:nvGrpSpPr>
+        <p:grpSpPr>
+          <a:xfrm>
+            <a:off x="954741" y="4837196"/>
+            <a:ext cx="7436224" cy="939053"/>
+            <a:chOff x="925232" y="4837196"/>
+            <a:chExt cx="7786594" cy="939053"/>
+          </a:xfrm>
+        </p:grpSpPr>
+        <p:pic>
+          <p:nvPicPr>
+            <p:cNvPr id="8" name="Picture 7">
+              <a:extLst>
+                <a:ext uri="{FF2B5EF4-FFF2-40B4-BE49-F238E27FC236}">
+                  <a16:creationId xmlns:a16="http://schemas.microsoft.com/office/drawing/2014/main" id="{50F6124F-1586-E234-21FE-464324695613}"/>
+                </a:ext>
+              </a:extLst>
+            </p:cNvPr>
+            <p:cNvPicPr>
+              <a:picLocks noChangeAspect="1"/>
+            </p:cNvPicPr>
+            <p:nvPr/>
+          </p:nvPicPr>
+          <p:blipFill>
+            <a:blip r:embed="rId3"/>
+            <a:stretch>
+              <a:fillRect/>
+            </a:stretch>
+          </p:blipFill>
+          <p:spPr>
+            <a:xfrm>
+              <a:off x="952126" y="4837196"/>
+              <a:ext cx="7759700" cy="495300"/>
+            </a:xfrm>
+            <a:prstGeom prst="rect">
+              <a:avLst/>
+            </a:prstGeom>
+          </p:spPr>
+        </p:pic>
+        <p:pic>
+          <p:nvPicPr>
+            <p:cNvPr id="9" name="Picture 8">
+              <a:extLst>
+                <a:ext uri="{FF2B5EF4-FFF2-40B4-BE49-F238E27FC236}">
+                  <a16:creationId xmlns:a16="http://schemas.microsoft.com/office/drawing/2014/main" id="{F32AB6CA-23CB-A4D6-BC4F-B272F45EAA98}"/>
+                </a:ext>
+              </a:extLst>
+            </p:cNvPr>
+            <p:cNvPicPr>
+              <a:picLocks noChangeAspect="1"/>
+            </p:cNvPicPr>
+            <p:nvPr/>
+          </p:nvPicPr>
+          <p:blipFill>
+            <a:blip r:embed="rId4"/>
+            <a:stretch>
+              <a:fillRect/>
+            </a:stretch>
+          </p:blipFill>
+          <p:spPr>
+            <a:xfrm>
+              <a:off x="925232" y="5280949"/>
+              <a:ext cx="7759700" cy="495300"/>
+            </a:xfrm>
+            <a:prstGeom prst="rect">
+              <a:avLst/>
+            </a:prstGeom>
+          </p:spPr>
+        </p:pic>
+      </p:grpSp>
     </p:spTree>
     <p:extLst>
       <p:ext uri="{BB962C8B-B14F-4D97-AF65-F5344CB8AC3E}">
@@ -4111,7 +7250,7 @@
 </p:sld>
 </file>
 
-<file path=ppt/slides/slide6.xml><?xml version="1.0" encoding="utf-8"?>
+<file path=ppt/slides/slide8.xml><?xml version="1.0" encoding="utf-8"?>
 <p:sld xmlns:a="http://schemas.openxmlformats.org/drawingml/2006/main" xmlns:r="http://schemas.openxmlformats.org/officeDocument/2006/relationships" xmlns:p="http://schemas.openxmlformats.org/presentationml/2006/main">
   <p:cSld>
     <p:spTree>
@@ -4249,7 +7388,7 @@
             <a:pPr lvl="1"/>
             <a:r>
               <a:rPr lang="en-US" dirty="0"/>
-              <a:t>Check auditor’s report and notes to annual financial statements for last 3 years</a:t>
+              <a:t>Check auditor’s notes and notes to annual financial statements for last 3 years</a:t>
             </a:r>
           </a:p>
           <a:p>
@@ -4264,278 +7403,6 @@
     <p:extLst>
       <p:ext uri="{BB962C8B-B14F-4D97-AF65-F5344CB8AC3E}">
         <p14:creationId xmlns:p14="http://schemas.microsoft.com/office/powerpoint/2010/main" val="1508565524"/>
-      </p:ext>
-    </p:extLst>
-  </p:cSld>
-  <p:clrMapOvr>
-    <a:masterClrMapping/>
-  </p:clrMapOvr>
-</p:sld>
-</file>
-
-<file path=ppt/slides/slide7.xml><?xml version="1.0" encoding="utf-8"?>
-<p:sld xmlns:a="http://schemas.openxmlformats.org/drawingml/2006/main" xmlns:r="http://schemas.openxmlformats.org/officeDocument/2006/relationships" xmlns:p="http://schemas.openxmlformats.org/presentationml/2006/main">
-  <p:cSld>
-    <p:spTree>
-      <p:nvGrpSpPr>
-        <p:cNvPr id="1" name="">
-          <a:extLst>
-            <a:ext uri="{FF2B5EF4-FFF2-40B4-BE49-F238E27FC236}">
-              <a16:creationId xmlns:a16="http://schemas.microsoft.com/office/drawing/2014/main" id="{6B5A901E-91A4-90A0-6E33-DF5E464D556D}"/>
-            </a:ext>
-          </a:extLst>
-        </p:cNvPr>
-        <p:cNvGrpSpPr/>
-        <p:nvPr/>
-      </p:nvGrpSpPr>
-      <p:grpSpPr>
-        <a:xfrm>
-          <a:off x="0" y="0"/>
-          <a:ext cx="0" cy="0"/>
-          <a:chOff x="0" y="0"/>
-          <a:chExt cx="0" cy="0"/>
-        </a:xfrm>
-      </p:grpSpPr>
-      <p:sp>
-        <p:nvSpPr>
-          <p:cNvPr id="2" name="Title 1">
-            <a:extLst>
-              <a:ext uri="{FF2B5EF4-FFF2-40B4-BE49-F238E27FC236}">
-                <a16:creationId xmlns:a16="http://schemas.microsoft.com/office/drawing/2014/main" id="{C2B9DD61-E250-334C-EA5F-A5F719BE686E}"/>
-              </a:ext>
-            </a:extLst>
-          </p:cNvPr>
-          <p:cNvSpPr>
-            <a:spLocks noGrp="1"/>
-          </p:cNvSpPr>
-          <p:nvPr>
-            <p:ph type="title"/>
-          </p:nvPr>
-        </p:nvSpPr>
-        <p:spPr/>
-        <p:txBody>
-          <a:bodyPr/>
-          <a:lstStyle/>
-          <a:p>
-            <a:r>
-              <a:rPr lang="en-US" dirty="0"/>
-              <a:t>Category III: Transparency and Disclosure</a:t>
-            </a:r>
-          </a:p>
-        </p:txBody>
-      </p:sp>
-      <p:sp>
-        <p:nvSpPr>
-          <p:cNvPr id="3" name="Content Placeholder 2">
-            <a:extLst>
-              <a:ext uri="{FF2B5EF4-FFF2-40B4-BE49-F238E27FC236}">
-                <a16:creationId xmlns:a16="http://schemas.microsoft.com/office/drawing/2014/main" id="{D2CBCF9C-A3C8-107E-2601-481E0941D04D}"/>
-              </a:ext>
-            </a:extLst>
-          </p:cNvPr>
-          <p:cNvSpPr>
-            <a:spLocks noGrp="1"/>
-          </p:cNvSpPr>
-          <p:nvPr>
-            <p:ph idx="1"/>
-          </p:nvPr>
-        </p:nvSpPr>
-        <p:spPr/>
-        <p:txBody>
-          <a:bodyPr>
-            <a:normAutofit fontScale="92500" lnSpcReduction="10000"/>
-          </a:bodyPr>
-          <a:lstStyle/>
-          <a:p>
-            <a:r>
-              <a:rPr lang="en-US" dirty="0"/>
-              <a:t>Concerns over financial statements (Q28)</a:t>
-            </a:r>
-          </a:p>
-          <a:p>
-            <a:pPr lvl="1"/>
-            <a:r>
-              <a:rPr lang="en-US" dirty="0"/>
-              <a:t>Check the independent auditors’ report: if qualified/unqualified/emphasis of matter is raised.</a:t>
-            </a:r>
-          </a:p>
-          <a:p>
-            <a:r>
-              <a:rPr lang="en-US" dirty="0"/>
-              <a:t>Related Party Transactions (Q32)</a:t>
-            </a:r>
-          </a:p>
-          <a:p>
-            <a:pPr lvl="1"/>
-            <a:r>
-              <a:rPr lang="en-US" dirty="0"/>
-              <a:t>Presence of the policy</a:t>
-            </a:r>
-          </a:p>
-          <a:p>
-            <a:r>
-              <a:rPr lang="en-US" dirty="0"/>
-              <a:t>Share holding pattern in quarterly results (Q36)</a:t>
-            </a:r>
-          </a:p>
-          <a:p>
-            <a:pPr lvl="1"/>
-            <a:r>
-              <a:rPr lang="en-US" dirty="0"/>
-              <a:t>1 year lookback : promoter, DII,FII</a:t>
-            </a:r>
-          </a:p>
-          <a:p>
-            <a:r>
-              <a:rPr lang="en-US" dirty="0"/>
-              <a:t>Is the shareholding of individual board members and key managerial personnel (KMP) disclosed in the latest annual report? (Q37)</a:t>
-            </a:r>
-          </a:p>
-          <a:p>
-            <a:r>
-              <a:rPr lang="en-US" dirty="0"/>
-              <a:t>Dividend distribution policy (Q38)</a:t>
-            </a:r>
-          </a:p>
-          <a:p>
-            <a:pPr lvl="1"/>
-            <a:r>
-              <a:rPr lang="en-US" dirty="0"/>
-              <a:t>companies need to specify a target payout/retention ratio</a:t>
-            </a:r>
-          </a:p>
-          <a:p>
-            <a:pPr marL="457200" lvl="1" indent="0">
-              <a:buNone/>
-            </a:pPr>
-            <a:endParaRPr lang="en-US" dirty="0"/>
-          </a:p>
-          <a:p>
-            <a:endParaRPr lang="en-US" dirty="0"/>
-          </a:p>
-          <a:p>
-            <a:pPr lvl="1"/>
-            <a:endParaRPr lang="en-US" dirty="0"/>
-          </a:p>
-        </p:txBody>
-      </p:sp>
-    </p:spTree>
-    <p:extLst>
-      <p:ext uri="{BB962C8B-B14F-4D97-AF65-F5344CB8AC3E}">
-        <p14:creationId xmlns:p14="http://schemas.microsoft.com/office/powerpoint/2010/main" val="4060441205"/>
-      </p:ext>
-    </p:extLst>
-  </p:cSld>
-  <p:clrMapOvr>
-    <a:masterClrMapping/>
-  </p:clrMapOvr>
-</p:sld>
-</file>
-
-<file path=ppt/slides/slide8.xml><?xml version="1.0" encoding="utf-8"?>
-<p:sld xmlns:a="http://schemas.openxmlformats.org/drawingml/2006/main" xmlns:r="http://schemas.openxmlformats.org/officeDocument/2006/relationships" xmlns:p="http://schemas.openxmlformats.org/presentationml/2006/main">
-  <p:cSld>
-    <p:spTree>
-      <p:nvGrpSpPr>
-        <p:cNvPr id="1" name="">
-          <a:extLst>
-            <a:ext uri="{FF2B5EF4-FFF2-40B4-BE49-F238E27FC236}">
-              <a16:creationId xmlns:a16="http://schemas.microsoft.com/office/drawing/2014/main" id="{AA764C16-E498-E7C1-805D-E8DE45AC779C}"/>
-            </a:ext>
-          </a:extLst>
-        </p:cNvPr>
-        <p:cNvGrpSpPr/>
-        <p:nvPr/>
-      </p:nvGrpSpPr>
-      <p:grpSpPr>
-        <a:xfrm>
-          <a:off x="0" y="0"/>
-          <a:ext cx="0" cy="0"/>
-          <a:chOff x="0" y="0"/>
-          <a:chExt cx="0" cy="0"/>
-        </a:xfrm>
-      </p:grpSpPr>
-      <p:sp>
-        <p:nvSpPr>
-          <p:cNvPr id="2" name="Title 1">
-            <a:extLst>
-              <a:ext uri="{FF2B5EF4-FFF2-40B4-BE49-F238E27FC236}">
-                <a16:creationId xmlns:a16="http://schemas.microsoft.com/office/drawing/2014/main" id="{0F0D8F73-AC4D-2149-6B3C-C634EC07B2B2}"/>
-              </a:ext>
-            </a:extLst>
-          </p:cNvPr>
-          <p:cNvSpPr>
-            <a:spLocks noGrp="1"/>
-          </p:cNvSpPr>
-          <p:nvPr>
-            <p:ph type="title"/>
-          </p:nvPr>
-        </p:nvSpPr>
-        <p:spPr/>
-        <p:txBody>
-          <a:bodyPr/>
-          <a:lstStyle/>
-          <a:p>
-            <a:r>
-              <a:rPr lang="en-US" dirty="0"/>
-              <a:t>Category III: Transparency and Disclosure</a:t>
-            </a:r>
-          </a:p>
-        </p:txBody>
-      </p:sp>
-      <p:sp>
-        <p:nvSpPr>
-          <p:cNvPr id="3" name="Content Placeholder 2">
-            <a:extLst>
-              <a:ext uri="{FF2B5EF4-FFF2-40B4-BE49-F238E27FC236}">
-                <a16:creationId xmlns:a16="http://schemas.microsoft.com/office/drawing/2014/main" id="{FFECBE59-F54A-88B3-7CC2-ECF59D0A26A5}"/>
-              </a:ext>
-            </a:extLst>
-          </p:cNvPr>
-          <p:cNvSpPr>
-            <a:spLocks noGrp="1"/>
-          </p:cNvSpPr>
-          <p:nvPr>
-            <p:ph idx="1"/>
-          </p:nvPr>
-        </p:nvSpPr>
-        <p:spPr/>
-        <p:txBody>
-          <a:bodyPr>
-            <a:normAutofit/>
-          </a:bodyPr>
-          <a:lstStyle/>
-          <a:p>
-            <a:pPr lvl="1"/>
-            <a:r>
-              <a:rPr lang="en-US" dirty="0"/>
-              <a:t>Has the company periodically rotated its auditors (firm and partner)? (Q42)</a:t>
-            </a:r>
-          </a:p>
-          <a:p>
-            <a:pPr lvl="1"/>
-            <a:r>
-              <a:rPr lang="en-US" dirty="0"/>
-              <a:t>Has the company disclosed the experience of each board member and senior executives? (Q44)</a:t>
-            </a:r>
-          </a:p>
-          <a:p>
-            <a:pPr lvl="1"/>
-            <a:r>
-              <a:rPr lang="en-US" dirty="0"/>
-              <a:t>Has the company, directors or its key managerial personnel (KMP) fined or penalized by regulatory bodies, stock exchanges in the past 12 months? (Q45)</a:t>
-            </a:r>
-          </a:p>
-          <a:p>
-            <a:pPr lvl="1"/>
-            <a:endParaRPr lang="en-US" dirty="0"/>
-          </a:p>
-        </p:txBody>
-      </p:sp>
-    </p:spTree>
-    <p:extLst>
-      <p:ext uri="{BB962C8B-B14F-4D97-AF65-F5344CB8AC3E}">
-        <p14:creationId xmlns:p14="http://schemas.microsoft.com/office/powerpoint/2010/main" val="2490809126"/>
       </p:ext>
     </p:extLst>
   </p:cSld>
@@ -4553,7 +7420,7 @@
         <p:cNvPr id="1" name="">
           <a:extLst>
             <a:ext uri="{FF2B5EF4-FFF2-40B4-BE49-F238E27FC236}">
-              <a16:creationId xmlns:a16="http://schemas.microsoft.com/office/drawing/2014/main" id="{B698DC25-9319-D9A1-72B4-F4DBB8D2937F}"/>
+              <a16:creationId xmlns:a16="http://schemas.microsoft.com/office/drawing/2014/main" id="{93B21806-13D6-B904-6D80-F40E0DDAE279}"/>
             </a:ext>
           </a:extLst>
         </p:cNvPr>
@@ -4573,7 +7440,7 @@
           <p:cNvPr id="2" name="Title 1">
             <a:extLst>
               <a:ext uri="{FF2B5EF4-FFF2-40B4-BE49-F238E27FC236}">
-                <a16:creationId xmlns:a16="http://schemas.microsoft.com/office/drawing/2014/main" id="{9423E025-D571-2D3C-50AD-68632D8419EE}"/>
+                <a16:creationId xmlns:a16="http://schemas.microsoft.com/office/drawing/2014/main" id="{E0F431D7-02A0-9AA6-3F51-FCA64BA66BB8}"/>
               </a:ext>
             </a:extLst>
           </p:cNvPr>
@@ -4584,14 +7451,19 @@
             <p:ph type="title"/>
           </p:nvPr>
         </p:nvSpPr>
-        <p:spPr/>
+        <p:spPr>
+          <a:xfrm>
+            <a:off x="0" y="0"/>
+            <a:ext cx="10515600" cy="1325563"/>
+          </a:xfrm>
+        </p:spPr>
         <p:txBody>
           <a:bodyPr/>
           <a:lstStyle/>
           <a:p>
             <a:r>
               <a:rPr lang="en-US" dirty="0"/>
-              <a:t>Category IV: Responsibilities of the board </a:t>
+              <a:t>Category II: Role of stakeholders</a:t>
             </a:r>
           </a:p>
         </p:txBody>
@@ -4601,7 +7473,7 @@
           <p:cNvPr id="3" name="Content Placeholder 2">
             <a:extLst>
               <a:ext uri="{FF2B5EF4-FFF2-40B4-BE49-F238E27FC236}">
-                <a16:creationId xmlns:a16="http://schemas.microsoft.com/office/drawing/2014/main" id="{965032AB-6231-F45F-BC49-43A9775C2018}"/>
+                <a16:creationId xmlns:a16="http://schemas.microsoft.com/office/drawing/2014/main" id="{F2FB3E42-EEFF-0151-0D18-1BBF9F49181F}"/>
               </a:ext>
             </a:extLst>
           </p:cNvPr>
@@ -4612,81 +7484,133 @@
             <p:ph idx="1"/>
           </p:nvPr>
         </p:nvSpPr>
-        <p:spPr/>
+        <p:spPr>
+          <a:xfrm>
+            <a:off x="0" y="1063626"/>
+            <a:ext cx="11459688" cy="1442068"/>
+          </a:xfrm>
+        </p:spPr>
         <p:txBody>
           <a:bodyPr>
             <a:normAutofit/>
           </a:bodyPr>
           <a:lstStyle/>
           <a:p>
+            <a:r>
+              <a:rPr lang="en-US" dirty="0"/>
+              <a:t>Any late repayment ? (Q21)</a:t>
+            </a:r>
+          </a:p>
+          <a:p>
             <a:pPr lvl="1"/>
             <a:r>
               <a:rPr lang="en-US" dirty="0"/>
-              <a:t>Engagement of directors (Q48)</a:t>
-            </a:r>
+              <a:t>Check auditor’s notes and notes to annual financial statements for last 3 years</a:t>
+            </a:r>
+          </a:p>
+          <a:p>
+            <a:pPr marL="457200" lvl="1" indent="0">
+              <a:buNone/>
+            </a:pPr>
+            <a:endParaRPr lang="en-US" dirty="0"/>
           </a:p>
           <a:p>
             <a:pPr lvl="1"/>
-            <a:r>
-              <a:rPr lang="en-US" dirty="0"/>
-              <a:t>Does the board meet sufficiently to exercise due diligence? (Q49)</a:t>
-            </a:r>
-          </a:p>
-          <a:p>
-            <a:pPr lvl="1"/>
-            <a:r>
-              <a:rPr lang="en-US" dirty="0"/>
-              <a:t>Board competence (Q51)</a:t>
-            </a:r>
-          </a:p>
-          <a:p>
-            <a:pPr lvl="2"/>
-            <a:r>
-              <a:rPr lang="en-US" dirty="0"/>
-              <a:t>Wide spectrum of expertise  with at least 10 years of experience</a:t>
-            </a:r>
-          </a:p>
-          <a:p>
-            <a:pPr lvl="1"/>
-            <a:r>
-              <a:rPr lang="en-US" dirty="0"/>
-              <a:t>Gender diversity on board (Q52)</a:t>
-            </a:r>
-          </a:p>
-          <a:p>
-            <a:pPr lvl="2"/>
-            <a:r>
-              <a:rPr lang="en-US" dirty="0"/>
-              <a:t>The company needs to appoint professional women directors on the board who have not had affiliations with the promoter family.</a:t>
-            </a:r>
-          </a:p>
-          <a:p>
-            <a:pPr lvl="1"/>
-            <a:r>
-              <a:rPr lang="en-US" dirty="0"/>
-              <a:t>Is there adequate women representation in the workforce? (Q53)</a:t>
-            </a:r>
-          </a:p>
-          <a:p>
-            <a:pPr lvl="1"/>
-            <a:r>
-              <a:rPr lang="en-US" dirty="0"/>
-              <a:t>Adequate independence of the board: (Q54)</a:t>
-            </a:r>
-          </a:p>
-          <a:p>
-            <a:pPr lvl="2"/>
-            <a:r>
-              <a:rPr lang="en-US" dirty="0"/>
-              <a:t>Companies with an executive/promoter Chairperson must have at least 50% directors as independent and other boards must have at least 33% directors as independent</a:t>
-            </a:r>
-          </a:p>
-        </p:txBody>
-      </p:sp>
+            <a:endParaRPr lang="en-US" dirty="0"/>
+          </a:p>
+          <a:p>
+            <a:pPr marL="457200" lvl="1" indent="0">
+              <a:buNone/>
+            </a:pPr>
+            <a:endParaRPr lang="en-US" dirty="0"/>
+          </a:p>
+        </p:txBody>
+      </p:sp>
+      <p:grpSp>
+        <p:nvGrpSpPr>
+          <p:cNvPr id="7" name="Group 6">
+            <a:extLst>
+              <a:ext uri="{FF2B5EF4-FFF2-40B4-BE49-F238E27FC236}">
+                <a16:creationId xmlns:a16="http://schemas.microsoft.com/office/drawing/2014/main" id="{650403A6-5DB1-AAA6-B824-D088403C97C7}"/>
+              </a:ext>
+            </a:extLst>
+          </p:cNvPr>
+          <p:cNvGrpSpPr/>
+          <p:nvPr/>
+        </p:nvGrpSpPr>
+        <p:grpSpPr>
+          <a:xfrm>
+            <a:off x="2174174" y="2005962"/>
+            <a:ext cx="7492340" cy="4601688"/>
+            <a:chOff x="2209800" y="1240654"/>
+            <a:chExt cx="7772400" cy="5013097"/>
+          </a:xfrm>
+        </p:grpSpPr>
+        <p:pic>
+          <p:nvPicPr>
+            <p:cNvPr id="5" name="Picture 4">
+              <a:extLst>
+                <a:ext uri="{FF2B5EF4-FFF2-40B4-BE49-F238E27FC236}">
+                  <a16:creationId xmlns:a16="http://schemas.microsoft.com/office/drawing/2014/main" id="{D27C78B4-20C0-CE9C-EFD1-9FF24E325C3B}"/>
+                </a:ext>
+              </a:extLst>
+            </p:cNvPr>
+            <p:cNvPicPr>
+              <a:picLocks noChangeAspect="1"/>
+            </p:cNvPicPr>
+            <p:nvPr/>
+          </p:nvPicPr>
+          <p:blipFill>
+            <a:blip r:embed="rId2"/>
+            <a:stretch>
+              <a:fillRect/>
+            </a:stretch>
+          </p:blipFill>
+          <p:spPr>
+            <a:xfrm>
+              <a:off x="2209800" y="1240654"/>
+              <a:ext cx="7772400" cy="4376691"/>
+            </a:xfrm>
+            <a:prstGeom prst="rect">
+              <a:avLst/>
+            </a:prstGeom>
+          </p:spPr>
+        </p:pic>
+        <p:pic>
+          <p:nvPicPr>
+            <p:cNvPr id="6" name="Picture 5">
+              <a:extLst>
+                <a:ext uri="{FF2B5EF4-FFF2-40B4-BE49-F238E27FC236}">
+                  <a16:creationId xmlns:a16="http://schemas.microsoft.com/office/drawing/2014/main" id="{D4579C10-CC31-BB7D-0601-6CA81B8065E9}"/>
+                </a:ext>
+              </a:extLst>
+            </p:cNvPr>
+            <p:cNvPicPr>
+              <a:picLocks noChangeAspect="1"/>
+            </p:cNvPicPr>
+            <p:nvPr/>
+          </p:nvPicPr>
+          <p:blipFill>
+            <a:blip r:embed="rId3"/>
+            <a:stretch>
+              <a:fillRect/>
+            </a:stretch>
+          </p:blipFill>
+          <p:spPr>
+            <a:xfrm>
+              <a:off x="2209800" y="5600820"/>
+              <a:ext cx="7772400" cy="652931"/>
+            </a:xfrm>
+            <a:prstGeom prst="rect">
+              <a:avLst/>
+            </a:prstGeom>
+          </p:spPr>
+        </p:pic>
+      </p:grpSp>
     </p:spTree>
     <p:extLst>
       <p:ext uri="{BB962C8B-B14F-4D97-AF65-F5344CB8AC3E}">
-        <p14:creationId xmlns:p14="http://schemas.microsoft.com/office/powerpoint/2010/main" val="302283024"/>
+        <p14:creationId xmlns:p14="http://schemas.microsoft.com/office/powerpoint/2010/main" val="1884482272"/>
       </p:ext>
     </p:extLst>
   </p:cSld>
@@ -5009,4 +7933,319 @@
     </a:ext>
   </a:extLst>
 </a:theme>
+</file>
+
+<file path=ppt/theme/theme2.xml><?xml version="1.0" encoding="utf-8"?>
+<a:theme xmlns:a="http://schemas.openxmlformats.org/drawingml/2006/main" name="Office Theme">
+  <a:themeElements>
+    <a:clrScheme name="Office">
+      <a:dk1>
+        <a:sysClr val="windowText" lastClr="000000"/>
+      </a:dk1>
+      <a:lt1>
+        <a:sysClr val="window" lastClr="FFFFFF"/>
+      </a:lt1>
+      <a:dk2>
+        <a:srgbClr val="0E2841"/>
+      </a:dk2>
+      <a:lt2>
+        <a:srgbClr val="E8E8E8"/>
+      </a:lt2>
+      <a:accent1>
+        <a:srgbClr val="156082"/>
+      </a:accent1>
+      <a:accent2>
+        <a:srgbClr val="E97132"/>
+      </a:accent2>
+      <a:accent3>
+        <a:srgbClr val="196B24"/>
+      </a:accent3>
+      <a:accent4>
+        <a:srgbClr val="0F9ED5"/>
+      </a:accent4>
+      <a:accent5>
+        <a:srgbClr val="A02B93"/>
+      </a:accent5>
+      <a:accent6>
+        <a:srgbClr val="4EA72E"/>
+      </a:accent6>
+      <a:hlink>
+        <a:srgbClr val="467886"/>
+      </a:hlink>
+      <a:folHlink>
+        <a:srgbClr val="96607D"/>
+      </a:folHlink>
+    </a:clrScheme>
+    <a:fontScheme name="Office">
+      <a:majorFont>
+        <a:latin typeface="Aptos Display" panose="02110004020202020204"/>
+        <a:ea typeface=""/>
+        <a:cs typeface=""/>
+        <a:font script="Jpan" typeface="游ゴシック Light"/>
+        <a:font script="Hang" typeface="맑은 고딕"/>
+        <a:font script="Hans" typeface="等线 Light"/>
+        <a:font script="Hant" typeface="新細明體"/>
+        <a:font script="Arab" typeface="Times New Roman"/>
+        <a:font script="Hebr" typeface="Times New Roman"/>
+        <a:font script="Thai" typeface="Angsana New"/>
+        <a:font script="Ethi" typeface="Nyala"/>
+        <a:font script="Beng" typeface="Vrinda"/>
+        <a:font script="Gujr" typeface="Shruti"/>
+        <a:font script="Khmr" typeface="MoolBoran"/>
+        <a:font script="Knda" typeface="Tunga"/>
+        <a:font script="Guru" typeface="Raavi"/>
+        <a:font script="Cans" typeface="Euphemia"/>
+        <a:font script="Cher" typeface="Plantagenet Cherokee"/>
+        <a:font script="Yiii" typeface="Microsoft Yi Baiti"/>
+        <a:font script="Tibt" typeface="Microsoft Himalaya"/>
+        <a:font script="Thaa" typeface="MV Boli"/>
+        <a:font script="Deva" typeface="Mangal"/>
+        <a:font script="Telu" typeface="Gautami"/>
+        <a:font script="Taml" typeface="Latha"/>
+        <a:font script="Syrc" typeface="Estrangelo Edessa"/>
+        <a:font script="Orya" typeface="Kalinga"/>
+        <a:font script="Mlym" typeface="Kartika"/>
+        <a:font script="Laoo" typeface="DokChampa"/>
+        <a:font script="Sinh" typeface="Iskoola Pota"/>
+        <a:font script="Mong" typeface="Mongolian Baiti"/>
+        <a:font script="Viet" typeface="Times New Roman"/>
+        <a:font script="Uigh" typeface="Microsoft Uighur"/>
+        <a:font script="Geor" typeface="Sylfaen"/>
+        <a:font script="Armn" typeface="Arial"/>
+        <a:font script="Bugi" typeface="Leelawadee UI"/>
+        <a:font script="Bopo" typeface="Microsoft JhengHei"/>
+        <a:font script="Java" typeface="Javanese Text"/>
+        <a:font script="Lisu" typeface="Segoe UI"/>
+        <a:font script="Mymr" typeface="Myanmar Text"/>
+        <a:font script="Nkoo" typeface="Ebrima"/>
+        <a:font script="Olck" typeface="Nirmala UI"/>
+        <a:font script="Osma" typeface="Ebrima"/>
+        <a:font script="Phag" typeface="Phagspa"/>
+        <a:font script="Syrn" typeface="Estrangelo Edessa"/>
+        <a:font script="Syrj" typeface="Estrangelo Edessa"/>
+        <a:font script="Syre" typeface="Estrangelo Edessa"/>
+        <a:font script="Sora" typeface="Nirmala UI"/>
+        <a:font script="Tale" typeface="Microsoft Tai Le"/>
+        <a:font script="Talu" typeface="Microsoft New Tai Lue"/>
+        <a:font script="Tfng" typeface="Ebrima"/>
+      </a:majorFont>
+      <a:minorFont>
+        <a:latin typeface="Aptos" panose="02110004020202020204"/>
+        <a:ea typeface=""/>
+        <a:cs typeface=""/>
+        <a:font script="Jpan" typeface="游ゴシック"/>
+        <a:font script="Hang" typeface="맑은 고딕"/>
+        <a:font script="Hans" typeface="等线"/>
+        <a:font script="Hant" typeface="新細明體"/>
+        <a:font script="Arab" typeface="Arial"/>
+        <a:font script="Hebr" typeface="Arial"/>
+        <a:font script="Thai" typeface="Cordia New"/>
+        <a:font script="Ethi" typeface="Nyala"/>
+        <a:font script="Beng" typeface="Vrinda"/>
+        <a:font script="Gujr" typeface="Shruti"/>
+        <a:font script="Khmr" typeface="DaunPenh"/>
+        <a:font script="Knda" typeface="Tunga"/>
+        <a:font script="Guru" typeface="Raavi"/>
+        <a:font script="Cans" typeface="Euphemia"/>
+        <a:font script="Cher" typeface="Plantagenet Cherokee"/>
+        <a:font script="Yiii" typeface="Microsoft Yi Baiti"/>
+        <a:font script="Tibt" typeface="Microsoft Himalaya"/>
+        <a:font script="Thaa" typeface="MV Boli"/>
+        <a:font script="Deva" typeface="Mangal"/>
+        <a:font script="Telu" typeface="Gautami"/>
+        <a:font script="Taml" typeface="Latha"/>
+        <a:font script="Syrc" typeface="Estrangelo Edessa"/>
+        <a:font script="Orya" typeface="Kalinga"/>
+        <a:font script="Mlym" typeface="Kartika"/>
+        <a:font script="Laoo" typeface="DokChampa"/>
+        <a:font script="Sinh" typeface="Iskoola Pota"/>
+        <a:font script="Mong" typeface="Mongolian Baiti"/>
+        <a:font script="Viet" typeface="Arial"/>
+        <a:font script="Uigh" typeface="Microsoft Uighur"/>
+        <a:font script="Geor" typeface="Sylfaen"/>
+        <a:font script="Armn" typeface="Arial"/>
+        <a:font script="Bugi" typeface="Leelawadee UI"/>
+        <a:font script="Bopo" typeface="Microsoft JhengHei"/>
+        <a:font script="Java" typeface="Javanese Text"/>
+        <a:font script="Lisu" typeface="Segoe UI"/>
+        <a:font script="Mymr" typeface="Myanmar Text"/>
+        <a:font script="Nkoo" typeface="Ebrima"/>
+        <a:font script="Olck" typeface="Nirmala UI"/>
+        <a:font script="Osma" typeface="Ebrima"/>
+        <a:font script="Phag" typeface="Phagspa"/>
+        <a:font script="Syrn" typeface="Estrangelo Edessa"/>
+        <a:font script="Syrj" typeface="Estrangelo Edessa"/>
+        <a:font script="Syre" typeface="Estrangelo Edessa"/>
+        <a:font script="Sora" typeface="Nirmala UI"/>
+        <a:font script="Tale" typeface="Microsoft Tai Le"/>
+        <a:font script="Talu" typeface="Microsoft New Tai Lue"/>
+        <a:font script="Tfng" typeface="Ebrima"/>
+      </a:minorFont>
+    </a:fontScheme>
+    <a:fmtScheme name="Office">
+      <a:fillStyleLst>
+        <a:solidFill>
+          <a:schemeClr val="phClr"/>
+        </a:solidFill>
+        <a:gradFill rotWithShape="1">
+          <a:gsLst>
+            <a:gs pos="0">
+              <a:schemeClr val="phClr">
+                <a:lumMod val="110000"/>
+                <a:satMod val="105000"/>
+                <a:tint val="67000"/>
+              </a:schemeClr>
+            </a:gs>
+            <a:gs pos="50000">
+              <a:schemeClr val="phClr">
+                <a:lumMod val="105000"/>
+                <a:satMod val="103000"/>
+                <a:tint val="73000"/>
+              </a:schemeClr>
+            </a:gs>
+            <a:gs pos="100000">
+              <a:schemeClr val="phClr">
+                <a:lumMod val="105000"/>
+                <a:satMod val="109000"/>
+                <a:tint val="81000"/>
+              </a:schemeClr>
+            </a:gs>
+          </a:gsLst>
+          <a:lin ang="5400000" scaled="0"/>
+        </a:gradFill>
+        <a:gradFill rotWithShape="1">
+          <a:gsLst>
+            <a:gs pos="0">
+              <a:schemeClr val="phClr">
+                <a:satMod val="103000"/>
+                <a:lumMod val="102000"/>
+                <a:tint val="94000"/>
+              </a:schemeClr>
+            </a:gs>
+            <a:gs pos="50000">
+              <a:schemeClr val="phClr">
+                <a:satMod val="110000"/>
+                <a:lumMod val="100000"/>
+                <a:shade val="100000"/>
+              </a:schemeClr>
+            </a:gs>
+            <a:gs pos="100000">
+              <a:schemeClr val="phClr">
+                <a:lumMod val="99000"/>
+                <a:satMod val="120000"/>
+                <a:shade val="78000"/>
+              </a:schemeClr>
+            </a:gs>
+          </a:gsLst>
+          <a:lin ang="5400000" scaled="0"/>
+        </a:gradFill>
+      </a:fillStyleLst>
+      <a:lnStyleLst>
+        <a:ln w="12700" cap="flat" cmpd="sng" algn="ctr">
+          <a:solidFill>
+            <a:schemeClr val="phClr"/>
+          </a:solidFill>
+          <a:prstDash val="solid"/>
+          <a:miter lim="800000"/>
+        </a:ln>
+        <a:ln w="19050" cap="flat" cmpd="sng" algn="ctr">
+          <a:solidFill>
+            <a:schemeClr val="phClr"/>
+          </a:solidFill>
+          <a:prstDash val="solid"/>
+          <a:miter lim="800000"/>
+        </a:ln>
+        <a:ln w="25400" cap="flat" cmpd="sng" algn="ctr">
+          <a:solidFill>
+            <a:schemeClr val="phClr"/>
+          </a:solidFill>
+          <a:prstDash val="solid"/>
+          <a:miter lim="800000"/>
+        </a:ln>
+      </a:lnStyleLst>
+      <a:effectStyleLst>
+        <a:effectStyle>
+          <a:effectLst/>
+        </a:effectStyle>
+        <a:effectStyle>
+          <a:effectLst/>
+        </a:effectStyle>
+        <a:effectStyle>
+          <a:effectLst>
+            <a:outerShdw blurRad="57150" dist="19050" dir="5400000" algn="ctr" rotWithShape="0">
+              <a:srgbClr val="000000">
+                <a:alpha val="63000"/>
+              </a:srgbClr>
+            </a:outerShdw>
+          </a:effectLst>
+        </a:effectStyle>
+      </a:effectStyleLst>
+      <a:bgFillStyleLst>
+        <a:solidFill>
+          <a:schemeClr val="phClr"/>
+        </a:solidFill>
+        <a:solidFill>
+          <a:schemeClr val="phClr">
+            <a:tint val="95000"/>
+            <a:satMod val="170000"/>
+          </a:schemeClr>
+        </a:solidFill>
+        <a:gradFill rotWithShape="1">
+          <a:gsLst>
+            <a:gs pos="0">
+              <a:schemeClr val="phClr">
+                <a:tint val="93000"/>
+                <a:satMod val="150000"/>
+                <a:shade val="98000"/>
+                <a:lumMod val="102000"/>
+              </a:schemeClr>
+            </a:gs>
+            <a:gs pos="50000">
+              <a:schemeClr val="phClr">
+                <a:tint val="98000"/>
+                <a:satMod val="130000"/>
+                <a:shade val="90000"/>
+                <a:lumMod val="103000"/>
+              </a:schemeClr>
+            </a:gs>
+            <a:gs pos="100000">
+              <a:schemeClr val="phClr">
+                <a:shade val="63000"/>
+                <a:satMod val="120000"/>
+              </a:schemeClr>
+            </a:gs>
+          </a:gsLst>
+          <a:lin ang="5400000" scaled="0"/>
+        </a:gradFill>
+      </a:bgFillStyleLst>
+    </a:fmtScheme>
+  </a:themeElements>
+  <a:objectDefaults>
+    <a:lnDef>
+      <a:spPr/>
+      <a:bodyPr/>
+      <a:lstStyle/>
+      <a:style>
+        <a:lnRef idx="2">
+          <a:schemeClr val="accent1"/>
+        </a:lnRef>
+        <a:fillRef idx="0">
+          <a:schemeClr val="accent1"/>
+        </a:fillRef>
+        <a:effectRef idx="1">
+          <a:schemeClr val="accent1"/>
+        </a:effectRef>
+        <a:fontRef idx="minor">
+          <a:schemeClr val="tx1"/>
+        </a:fontRef>
+      </a:style>
+    </a:lnDef>
+  </a:objectDefaults>
+  <a:extraClrSchemeLst/>
+  <a:extLst>
+    <a:ext uri="{05A4C25C-085E-4340-85A3-A5531E510DB2}">
+      <thm15:themeFamily xmlns:thm15="http://schemas.microsoft.com/office/thememl/2012/main" name="Office Theme" id="{2E142A2C-CD16-42D6-873A-C26D2A0506FA}" vid="{1BDDFF52-6CD6-40A5-AB3C-68EB2F1E4D0A}"/>
+    </a:ext>
+  </a:extLst>
+</a:theme>
 </file>